--- a/Slides/Module 1 - Introduction to Flask.pptx
+++ b/Slides/Module 1 - Introduction to Flask.pptx
@@ -5,10 +5,10 @@
     <p:sldMasterId id="2147483660" r:id="rId4"/>
   </p:sldMasterIdLst>
   <p:notesMasterIdLst>
-    <p:notesMasterId r:id="rId27"/>
+    <p:notesMasterId r:id="rId29"/>
   </p:notesMasterIdLst>
   <p:handoutMasterIdLst>
-    <p:handoutMasterId r:id="rId28"/>
+    <p:handoutMasterId r:id="rId30"/>
   </p:handoutMasterIdLst>
   <p:sldIdLst>
     <p:sldId id="271" r:id="rId5"/>
@@ -32,7 +32,9 @@
     <p:sldId id="295" r:id="rId23"/>
     <p:sldId id="296" r:id="rId24"/>
     <p:sldId id="294" r:id="rId25"/>
-    <p:sldId id="269" r:id="rId26"/>
+    <p:sldId id="297" r:id="rId26"/>
+    <p:sldId id="298" r:id="rId27"/>
+    <p:sldId id="269" r:id="rId28"/>
   </p:sldIdLst>
   <p:sldSz cx="12192000" cy="6858000"/>
   <p:notesSz cx="6858000" cy="9144000"/>
@@ -224,7 +226,7 @@
           <a:p>
             <a:fld id="{312E7B4A-039C-48A2-9B2C-AF16AA3873D8}" type="datetimeFigureOut">
               <a:rPr lang="en-US" smtClean="0"/>
-              <a:t>11/11/2014</a:t>
+              <a:t>12/15/2014</a:t>
             </a:fld>
             <a:endParaRPr lang="en-US"/>
           </a:p>
@@ -389,7 +391,7 @@
           <a:p>
             <a:fld id="{DA005A0C-54D9-45AA-87D4-C551D08DFCE1}" type="datetimeFigureOut">
               <a:rPr lang="en-US" smtClean="0"/>
-              <a:t>11/11/2014</a:t>
+              <a:t>12/15/2014</a:t>
             </a:fld>
             <a:endParaRPr lang="en-US"/>
           </a:p>
@@ -5888,6 +5890,168 @@
           <a:chExt cx="0" cy="0"/>
         </a:xfrm>
       </p:grpSpPr>
+      <p:sp>
+        <p:nvSpPr>
+          <p:cNvPr id="3" name="Title 2"/>
+          <p:cNvSpPr>
+            <a:spLocks noGrp="1"/>
+          </p:cNvSpPr>
+          <p:nvPr>
+            <p:ph type="title"/>
+          </p:nvPr>
+        </p:nvSpPr>
+        <p:spPr/>
+        <p:txBody>
+          <a:bodyPr/>
+          <a:lstStyle/>
+          <a:p>
+            <a:r>
+              <a:rPr lang="en-US" dirty="0" smtClean="0"/>
+              <a:t>What did we learn?</a:t>
+            </a:r>
+            <a:endParaRPr lang="en-US" dirty="0"/>
+          </a:p>
+        </p:txBody>
+      </p:sp>
+      <p:sp>
+        <p:nvSpPr>
+          <p:cNvPr id="4" name="Content Placeholder 3"/>
+          <p:cNvSpPr>
+            <a:spLocks noGrp="1"/>
+          </p:cNvSpPr>
+          <p:nvPr>
+            <p:ph sz="quarter" idx="10"/>
+          </p:nvPr>
+        </p:nvSpPr>
+        <p:spPr/>
+        <p:txBody>
+          <a:bodyPr/>
+          <a:lstStyle/>
+          <a:p>
+            <a:r>
+              <a:rPr lang="en-US" dirty="0" smtClean="0"/>
+              <a:t>How to manage Python environments</a:t>
+            </a:r>
+          </a:p>
+          <a:p>
+            <a:r>
+              <a:rPr lang="en-US" dirty="0" smtClean="0"/>
+              <a:t>Begin developing web applications using Flask and Python</a:t>
+            </a:r>
+            <a:endParaRPr lang="en-US" dirty="0"/>
+          </a:p>
+        </p:txBody>
+      </p:sp>
+    </p:spTree>
+    <p:extLst>
+      <p:ext uri="{BB962C8B-B14F-4D97-AF65-F5344CB8AC3E}">
+        <p14:creationId xmlns:p14="http://schemas.microsoft.com/office/powerpoint/2010/main" val="2053550612"/>
+      </p:ext>
+    </p:extLst>
+  </p:cSld>
+  <p:clrMapOvr>
+    <a:masterClrMapping/>
+  </p:clrMapOvr>
+</p:sld>
+</file>
+
+<file path=ppt/slides/slide23.xml><?xml version="1.0" encoding="utf-8"?>
+<p:sld xmlns:a="http://schemas.openxmlformats.org/drawingml/2006/main" xmlns:r="http://schemas.openxmlformats.org/officeDocument/2006/relationships" xmlns:p="http://schemas.openxmlformats.org/presentationml/2006/main">
+  <p:cSld>
+    <p:spTree>
+      <p:nvGrpSpPr>
+        <p:cNvPr id="1" name=""/>
+        <p:cNvGrpSpPr/>
+        <p:nvPr/>
+      </p:nvGrpSpPr>
+      <p:grpSpPr>
+        <a:xfrm>
+          <a:off x="0" y="0"/>
+          <a:ext cx="0" cy="0"/>
+          <a:chOff x="0" y="0"/>
+          <a:chExt cx="0" cy="0"/>
+        </a:xfrm>
+      </p:grpSpPr>
+      <p:sp>
+        <p:nvSpPr>
+          <p:cNvPr id="2" name="Title 1"/>
+          <p:cNvSpPr>
+            <a:spLocks noGrp="1"/>
+          </p:cNvSpPr>
+          <p:nvPr>
+            <p:ph type="title"/>
+          </p:nvPr>
+        </p:nvSpPr>
+        <p:spPr/>
+        <p:txBody>
+          <a:bodyPr/>
+          <a:lstStyle/>
+          <a:p>
+            <a:r>
+              <a:rPr lang="en-US" dirty="0" smtClean="0"/>
+              <a:t>What can we do with this knowledge?</a:t>
+            </a:r>
+            <a:endParaRPr lang="en-US" dirty="0"/>
+          </a:p>
+        </p:txBody>
+      </p:sp>
+      <p:sp>
+        <p:nvSpPr>
+          <p:cNvPr id="3" name="Content Placeholder 2"/>
+          <p:cNvSpPr>
+            <a:spLocks noGrp="1"/>
+          </p:cNvSpPr>
+          <p:nvPr>
+            <p:ph sz="quarter" idx="10"/>
+          </p:nvPr>
+        </p:nvSpPr>
+        <p:spPr/>
+        <p:txBody>
+          <a:bodyPr/>
+          <a:lstStyle/>
+          <a:p>
+            <a:r>
+              <a:rPr lang="en-US" dirty="0" smtClean="0"/>
+              <a:t>Begin pursuing deeper knowledge of web </a:t>
+            </a:r>
+            <a:r>
+              <a:rPr lang="en-US" smtClean="0"/>
+              <a:t>application development</a:t>
+            </a:r>
+            <a:endParaRPr lang="en-US"/>
+          </a:p>
+        </p:txBody>
+      </p:sp>
+    </p:spTree>
+    <p:extLst>
+      <p:ext uri="{BB962C8B-B14F-4D97-AF65-F5344CB8AC3E}">
+        <p14:creationId xmlns:p14="http://schemas.microsoft.com/office/powerpoint/2010/main" val="1591784090"/>
+      </p:ext>
+    </p:extLst>
+  </p:cSld>
+  <p:clrMapOvr>
+    <a:masterClrMapping/>
+  </p:clrMapOvr>
+</p:sld>
+</file>
+
+<file path=ppt/slides/slide24.xml><?xml version="1.0" encoding="utf-8"?>
+<p:sld xmlns:a="http://schemas.openxmlformats.org/drawingml/2006/main" xmlns:r="http://schemas.openxmlformats.org/officeDocument/2006/relationships" xmlns:p="http://schemas.openxmlformats.org/presentationml/2006/main">
+  <p:cSld>
+    <p:spTree>
+      <p:nvGrpSpPr>
+        <p:cNvPr id="1" name=""/>
+        <p:cNvGrpSpPr/>
+        <p:nvPr/>
+      </p:nvGrpSpPr>
+      <p:grpSpPr>
+        <a:xfrm>
+          <a:off x="0" y="0"/>
+          <a:ext cx="0" cy="0"/>
+          <a:chOff x="0" y="0"/>
+          <a:chExt cx="0" cy="0"/>
+        </a:xfrm>
+      </p:grpSpPr>
     </p:spTree>
     <p:extLst>
       <p:ext uri="{BB962C8B-B14F-4D97-AF65-F5344CB8AC3E}">
@@ -6164,14 +6328,14 @@
             <p:ph sz="quarter" idx="10"/>
             <p:extLst>
               <p:ext uri="{D42A27DB-BD31-4B8C-83A1-F6EECF244321}">
-                <p14:modId xmlns:p14="http://schemas.microsoft.com/office/powerpoint/2010/main" val="292289561"/>
+                <p14:modId xmlns:p14="http://schemas.microsoft.com/office/powerpoint/2010/main" val="1049711530"/>
               </p:ext>
             </p:extLst>
           </p:nvPr>
         </p:nvGraphicFramePr>
         <p:xfrm>
           <a:off x="379413" y="1417636"/>
-          <a:ext cx="11525250" cy="3838160"/>
+          <a:ext cx="11525250" cy="3070528"/>
         </p:xfrm>
         <a:graphic>
           <a:graphicData uri="http://schemas.openxmlformats.org/drawingml/2006/table">
@@ -6243,14 +6407,7 @@
                           <a:latin typeface="Segoe UI Light" panose="020B0502040204020203" pitchFamily="34" charset="0"/>
                           <a:cs typeface="Segoe UI Light" panose="020B0502040204020203" pitchFamily="34" charset="0"/>
                         </a:rPr>
-                        <a:t>01 | </a:t>
-                      </a:r>
-                      <a:r>
-                        <a:rPr lang="en-US" sz="2400" dirty="0" smtClean="0">
-                          <a:latin typeface="Segoe UI Light" panose="020B0502040204020203" pitchFamily="34" charset="0"/>
-                          <a:cs typeface="Segoe UI Light" panose="020B0502040204020203" pitchFamily="34" charset="0"/>
-                        </a:rPr>
-                        <a:t>Introduction to Flask</a:t>
+                        <a:t>01 | Introduction to Flask</a:t>
                       </a:r>
                       <a:endParaRPr lang="en-US" sz="2400" dirty="0">
                         <a:latin typeface="Segoe UI Light" panose="020B0502040204020203" pitchFamily="34" charset="0"/>
@@ -6270,35 +6427,7 @@
                           <a:latin typeface="Segoe UI Light" panose="020B0502040204020203" pitchFamily="34" charset="0"/>
                           <a:cs typeface="Segoe UI Light" panose="020B0502040204020203" pitchFamily="34" charset="0"/>
                         </a:rPr>
-                        <a:t>05 </a:t>
-                      </a:r>
-                      <a:r>
-                        <a:rPr lang="en-US" sz="2400" dirty="0" smtClean="0">
-                          <a:latin typeface="Segoe UI Light" panose="020B0502040204020203" pitchFamily="34" charset="0"/>
-                          <a:cs typeface="Segoe UI Light" panose="020B0502040204020203" pitchFamily="34" charset="0"/>
-                        </a:rPr>
-                        <a:t>| </a:t>
-                      </a:r>
-                      <a:r>
-                        <a:rPr lang="en-US" sz="2400" dirty="0" smtClean="0">
-                          <a:latin typeface="Segoe UI Light" panose="020B0502040204020203" pitchFamily="34" charset="0"/>
-                          <a:cs typeface="Segoe UI Light" panose="020B0502040204020203" pitchFamily="34" charset="0"/>
-                        </a:rPr>
-                        <a:t>Creating and retrieving </a:t>
-                      </a:r>
-                      <a:r>
-                        <a:rPr lang="en-US" sz="2400" dirty="0" err="1" smtClean="0">
-                          <a:latin typeface="Segoe UI Light" panose="020B0502040204020203" pitchFamily="34" charset="0"/>
-                          <a:cs typeface="Segoe UI Light" panose="020B0502040204020203" pitchFamily="34" charset="0"/>
-                        </a:rPr>
-                        <a:t>MongoDB</a:t>
-                      </a:r>
-                      <a:r>
-                        <a:rPr lang="en-US" sz="2400" dirty="0" smtClean="0">
-                          <a:latin typeface="Segoe UI Light" panose="020B0502040204020203" pitchFamily="34" charset="0"/>
-                          <a:cs typeface="Segoe UI Light" panose="020B0502040204020203" pitchFamily="34" charset="0"/>
-                        </a:rPr>
-                        <a:t> data</a:t>
+                        <a:t>04 | Data storage locations</a:t>
                       </a:r>
                       <a:endParaRPr lang="en-US" sz="2400" dirty="0">
                         <a:latin typeface="Segoe UI Light" panose="020B0502040204020203" pitchFamily="34" charset="0"/>
@@ -6325,14 +6454,7 @@
                           <a:latin typeface="Segoe UI Light" panose="020B0502040204020203" pitchFamily="34" charset="0"/>
                           <a:cs typeface="Segoe UI Light" panose="020B0502040204020203" pitchFamily="34" charset="0"/>
                         </a:rPr>
-                        <a:t>02 | </a:t>
-                      </a:r>
-                      <a:r>
-                        <a:rPr lang="en-US" sz="2400" dirty="0" smtClean="0">
-                          <a:latin typeface="Segoe UI Light" panose="020B0502040204020203" pitchFamily="34" charset="0"/>
-                          <a:cs typeface="Segoe UI Light" panose="020B0502040204020203" pitchFamily="34" charset="0"/>
-                        </a:rPr>
-                        <a:t>Creating web pages in Flask</a:t>
+                        <a:t>02 | Creating web pages in Flask</a:t>
                       </a:r>
                       <a:endParaRPr lang="en-US" sz="2400" dirty="0">
                         <a:latin typeface="Segoe UI Light" panose="020B0502040204020203" pitchFamily="34" charset="0"/>
@@ -6352,28 +6474,7 @@
                           <a:latin typeface="Segoe UI Light" panose="020B0502040204020203" pitchFamily="34" charset="0"/>
                           <a:cs typeface="Segoe UI Light" panose="020B0502040204020203" pitchFamily="34" charset="0"/>
                         </a:rPr>
-                        <a:t>06 </a:t>
-                      </a:r>
-                      <a:r>
-                        <a:rPr lang="en-US" sz="2400" dirty="0" smtClean="0">
-                          <a:latin typeface="Segoe UI Light" panose="020B0502040204020203" pitchFamily="34" charset="0"/>
-                          <a:cs typeface="Segoe UI Light" panose="020B0502040204020203" pitchFamily="34" charset="0"/>
-                        </a:rPr>
-                        <a:t>| </a:t>
-                      </a:r>
-                      <a:r>
-                        <a:rPr lang="en-US" sz="2400" dirty="0" smtClean="0">
-                          <a:latin typeface="Segoe UI Light" panose="020B0502040204020203" pitchFamily="34" charset="0"/>
-                          <a:cs typeface="Segoe UI Light" panose="020B0502040204020203" pitchFamily="34" charset="0"/>
-                        </a:rPr>
-                        <a:t>Updating and deleting</a:t>
-                      </a:r>
-                      <a:r>
-                        <a:rPr lang="en-US" sz="2400" baseline="0" dirty="0" smtClean="0">
-                          <a:latin typeface="Segoe UI Light" panose="020B0502040204020203" pitchFamily="34" charset="0"/>
-                          <a:cs typeface="Segoe UI Light" panose="020B0502040204020203" pitchFamily="34" charset="0"/>
-                        </a:rPr>
-                        <a:t> data</a:t>
+                        <a:t>05 | Using Redis</a:t>
                       </a:r>
                       <a:endParaRPr lang="en-US" sz="2400" dirty="0">
                         <a:latin typeface="Segoe UI Light" panose="020B0502040204020203" pitchFamily="34" charset="0"/>
@@ -6424,14 +6525,7 @@
                           <a:latin typeface="Segoe UI Light" panose="020B0502040204020203" pitchFamily="34" charset="0"/>
                           <a:cs typeface="Segoe UI Light" panose="020B0502040204020203" pitchFamily="34" charset="0"/>
                         </a:rPr>
-                        <a:t> | </a:t>
-                      </a:r>
-                      <a:r>
-                        <a:rPr lang="en-US" sz="2400" baseline="0" dirty="0" smtClean="0">
-                          <a:latin typeface="Segoe UI Light" panose="020B0502040204020203" pitchFamily="34" charset="0"/>
-                          <a:cs typeface="Segoe UI Light" panose="020B0502040204020203" pitchFamily="34" charset="0"/>
-                        </a:rPr>
-                        <a:t>Requesting user input</a:t>
+                        <a:t> | Requesting user input</a:t>
                       </a:r>
                       <a:endParaRPr lang="en-US" sz="2400" dirty="0" smtClean="0">
                         <a:latin typeface="Segoe UI Light" panose="020B0502040204020203" pitchFamily="34" charset="0"/>
@@ -6451,21 +6545,7 @@
                           <a:latin typeface="Segoe UI Light" panose="020B0502040204020203" pitchFamily="34" charset="0"/>
                           <a:cs typeface="Segoe UI Light" panose="020B0502040204020203" pitchFamily="34" charset="0"/>
                         </a:rPr>
-                        <a:t>07 </a:t>
-                      </a:r>
-                      <a:r>
-                        <a:rPr lang="en-US" sz="2400" dirty="0" smtClean="0">
-                          <a:latin typeface="Segoe UI Light" panose="020B0502040204020203" pitchFamily="34" charset="0"/>
-                          <a:cs typeface="Segoe UI Light" panose="020B0502040204020203" pitchFamily="34" charset="0"/>
-                        </a:rPr>
-                        <a:t>| </a:t>
-                      </a:r>
-                      <a:r>
-                        <a:rPr lang="en-US" sz="2400" dirty="0" smtClean="0">
-                          <a:latin typeface="Segoe UI Light" panose="020B0502040204020203" pitchFamily="34" charset="0"/>
-                          <a:cs typeface="Segoe UI Light" panose="020B0502040204020203" pitchFamily="34" charset="0"/>
-                        </a:rPr>
-                        <a:t>Cloud deployment</a:t>
+                        <a:t>06 | Cloud deployment</a:t>
                       </a:r>
                       <a:endParaRPr lang="en-US" sz="2400" dirty="0">
                         <a:latin typeface="Segoe UI Light" panose="020B0502040204020203" pitchFamily="34" charset="0"/>
@@ -6478,53 +6558,6 @@
                 <a:extLst>
                   <a:ext uri="{0D108BD9-81ED-4DB2-BD59-A6C34878D82A}">
                     <a16:rowId xmlns="" xmlns:a16="http://schemas.microsoft.com/office/drawing/2014/main" val="3812060533"/>
-                  </a:ext>
-                </a:extLst>
-              </a:tr>
-              <a:tr h="767632">
-                <a:tc>
-                  <a:txBody>
-                    <a:bodyPr/>
-                    <a:lstStyle/>
-                    <a:p>
-                      <a:r>
-                        <a:rPr lang="en-US" sz="2400" dirty="0" smtClean="0">
-                          <a:latin typeface="Segoe UI Light" panose="020B0502040204020203" pitchFamily="34" charset="0"/>
-                          <a:cs typeface="Segoe UI Light" panose="020B0502040204020203" pitchFamily="34" charset="0"/>
-                        </a:rPr>
-                        <a:t>04 | </a:t>
-                      </a:r>
-                      <a:r>
-                        <a:rPr lang="en-US" sz="2400" dirty="0" smtClean="0">
-                          <a:latin typeface="Segoe UI Light" panose="020B0502040204020203" pitchFamily="34" charset="0"/>
-                          <a:cs typeface="Segoe UI Light" panose="020B0502040204020203" pitchFamily="34" charset="0"/>
-                        </a:rPr>
-                        <a:t>Data storage locations</a:t>
-                      </a:r>
-                      <a:endParaRPr lang="en-US" sz="2400" dirty="0">
-                        <a:latin typeface="Segoe UI Light" panose="020B0502040204020203" pitchFamily="34" charset="0"/>
-                        <a:cs typeface="Segoe UI Light" panose="020B0502040204020203" pitchFamily="34" charset="0"/>
-                      </a:endParaRPr>
-                    </a:p>
-                  </a:txBody>
-                  <a:tcPr anchor="ctr"/>
-                </a:tc>
-                <a:tc>
-                  <a:txBody>
-                    <a:bodyPr/>
-                    <a:lstStyle/>
-                    <a:p>
-                      <a:endParaRPr lang="en-US" sz="2400" dirty="0">
-                        <a:latin typeface="Segoe UI Light" panose="020B0502040204020203" pitchFamily="34" charset="0"/>
-                        <a:cs typeface="Segoe UI Light" panose="020B0502040204020203" pitchFamily="34" charset="0"/>
-                      </a:endParaRPr>
-                    </a:p>
-                  </a:txBody>
-                  <a:tcPr anchor="ctr"/>
-                </a:tc>
-                <a:extLst>
-                  <a:ext uri="{0D108BD9-81ED-4DB2-BD59-A6C34878D82A}">
-                    <a16:rowId xmlns="" xmlns:a16="http://schemas.microsoft.com/office/drawing/2014/main" val="733235577"/>
                   </a:ext>
                 </a:extLst>
               </a:tr>
@@ -6638,11 +6671,7 @@
           <a:p>
             <a:r>
               <a:rPr lang="en-US" dirty="0" smtClean="0"/>
-              <a:t>Suggested </a:t>
-            </a:r>
-            <a:r>
-              <a:rPr lang="en-US" dirty="0" smtClean="0"/>
-              <a:t>Prerequisites/Supporting Material</a:t>
+              <a:t>Suggested Prerequisites/Supporting Material</a:t>
             </a:r>
           </a:p>
           <a:p>
@@ -6667,11 +6696,7 @@
             <a:pPr lvl="1"/>
             <a:r>
               <a:rPr lang="en-US" dirty="0" smtClean="0"/>
-              <a:t>Introduction </a:t>
-            </a:r>
-            <a:r>
-              <a:rPr lang="en-US" dirty="0" smtClean="0"/>
-              <a:t>to Programming with Python MVA</a:t>
+              <a:t>Introduction to Programming with Python MVA</a:t>
             </a:r>
           </a:p>
         </p:txBody>
@@ -6800,26 +6825,18 @@
               <a:t>Enter this code: </a:t>
             </a:r>
             <a:r>
-              <a:rPr lang="en-US" b="1" dirty="0" smtClean="0">
-                <a:solidFill>
-                  <a:srgbClr val="FF0000"/>
-                </a:solidFill>
-              </a:rPr>
-              <a:t>PowerJump1 </a:t>
-            </a:r>
-            <a:r>
-              <a:rPr lang="en-US" dirty="0" smtClean="0">
-                <a:solidFill>
-                  <a:srgbClr val="FF0000"/>
-                </a:solidFill>
-              </a:rPr>
-              <a:t>(expires 8/15/2013)</a:t>
-            </a:r>
-            <a:endParaRPr lang="en-US" dirty="0">
-              <a:solidFill>
-                <a:srgbClr val="FF0000"/>
-              </a:solidFill>
-            </a:endParaRPr>
+              <a:rPr lang="en-US" b="1" dirty="0" err="1"/>
+              <a:t>WebDevPythonFlask</a:t>
+            </a:r>
+            <a:r>
+              <a:rPr lang="en-US" b="1" dirty="0"/>
+              <a:t> </a:t>
+            </a:r>
+            <a:r>
+              <a:rPr lang="en-US" dirty="0" smtClean="0"/>
+              <a:t>(expires January 15, 2015)</a:t>
+            </a:r>
+            <a:endParaRPr lang="en-US" dirty="0"/>
           </a:p>
         </p:txBody>
       </p:sp>
@@ -7977,6 +7994,15 @@
 </file>
 
 <file path=customXml/item1.xml><?xml version="1.0" encoding="utf-8"?>
+<?mso-contentType ?>
+<FormTemplates xmlns="http://schemas.microsoft.com/sharepoint/v3/contenttype/forms">
+  <Display>DocumentLibraryForm</Display>
+  <Edit>DocumentLibraryForm</Edit>
+  <New>DocumentLibraryForm</New>
+</FormTemplates>
+</file>
+
+<file path=customXml/item2.xml><?xml version="1.0" encoding="utf-8"?>
 <ct:contentTypeSchema xmlns:ct="http://schemas.microsoft.com/office/2006/metadata/contentType" xmlns:ma="http://schemas.microsoft.com/office/2006/metadata/properties/metaAttributes" ct:_="" ma:_="" ma:contentTypeName="Document" ma:contentTypeID="0x010100496889825850D44592AC5D2F43187AE4" ma:contentTypeVersion="5" ma:contentTypeDescription="Create a new document." ma:contentTypeScope="" ma:versionID="fde90edb5a63ba841bca516fd2abaf95">
   <xsd:schema xmlns:xsd="http://www.w3.org/2001/XMLSchema" xmlns:xs="http://www.w3.org/2001/XMLSchema" xmlns:p="http://schemas.microsoft.com/office/2006/metadata/properties" xmlns:ns1="http://schemas.microsoft.com/sharepoint/v3" xmlns:ns2="230e9df3-be65-4c73-a93b-d1236ebd677e" xmlns:ns3="27aa9422-7f1f-4c84-9cdf-302b1a67e513" targetNamespace="http://schemas.microsoft.com/office/2006/metadata/properties" ma:root="true" ma:fieldsID="5e7808ae941cc340dbe51a3031959734" ns1:_="" ns2:_="" ns3:_="">
     <xsd:import namespace="http://schemas.microsoft.com/sharepoint/v3"/>
@@ -8158,7 +8184,7 @@
 </ct:contentTypeSchema>
 </file>
 
-<file path=customXml/item2.xml><?xml version="1.0" encoding="utf-8"?>
+<file path=customXml/item3.xml><?xml version="1.0" encoding="utf-8"?>
 <p:properties xmlns:p="http://schemas.microsoft.com/office/2006/metadata/properties" xmlns:xsi="http://www.w3.org/2001/XMLSchema-instance" xmlns:pc="http://schemas.microsoft.com/office/infopath/2007/PartnerControls">
   <documentManagement>
     <TaxCatchAll xmlns="230e9df3-be65-4c73-a93b-d1236ebd677e"/>
@@ -8171,16 +8197,15 @@
 </p:properties>
 </file>
 
-<file path=customXml/item3.xml><?xml version="1.0" encoding="utf-8"?>
-<?mso-contentType ?>
-<FormTemplates xmlns="http://schemas.microsoft.com/sharepoint/v3/contenttype/forms">
-  <Display>DocumentLibraryForm</Display>
-  <Edit>DocumentLibraryForm</Edit>
-  <New>DocumentLibraryForm</New>
-</FormTemplates>
+<file path=customXml/itemProps1.xml><?xml version="1.0" encoding="utf-8"?>
+<ds:datastoreItem xmlns:ds="http://schemas.openxmlformats.org/officeDocument/2006/customXml" ds:itemID="{B0CA13EC-1D3C-4D6F-8D1C-E8A452CFC79A}">
+  <ds:schemaRefs>
+    <ds:schemaRef ds:uri="http://schemas.microsoft.com/sharepoint/v3/contenttype/forms"/>
+  </ds:schemaRefs>
+</ds:datastoreItem>
 </file>
 
-<file path=customXml/itemProps1.xml><?xml version="1.0" encoding="utf-8"?>
+<file path=customXml/itemProps2.xml><?xml version="1.0" encoding="utf-8"?>
 <ds:datastoreItem xmlns:ds="http://schemas.openxmlformats.org/officeDocument/2006/customXml" ds:itemID="{3253B29C-1CCD-4FE8-A1C4-023A0910DF96}">
   <ds:schemaRefs>
     <ds:schemaRef ds:uri="http://schemas.microsoft.com/office/2006/metadata/contentType"/>
@@ -8200,7 +8225,7 @@
 </ds:datastoreItem>
 </file>
 
-<file path=customXml/itemProps2.xml><?xml version="1.0" encoding="utf-8"?>
+<file path=customXml/itemProps3.xml><?xml version="1.0" encoding="utf-8"?>
 <ds:datastoreItem xmlns:ds="http://schemas.openxmlformats.org/officeDocument/2006/customXml" ds:itemID="{7025FDD9-4C58-4084-9F89-0E6ADD6FFF55}">
   <ds:schemaRefs>
     <ds:schemaRef ds:uri="http://purl.org/dc/elements/1.1/"/>
@@ -8216,12 +8241,4 @@
     <ds:schemaRef ds:uri="http://purl.org/dc/dcmitype/"/>
   </ds:schemaRefs>
 </ds:datastoreItem>
-</file>
-
-<file path=customXml/itemProps3.xml><?xml version="1.0" encoding="utf-8"?>
-<ds:datastoreItem xmlns:ds="http://schemas.openxmlformats.org/officeDocument/2006/customXml" ds:itemID="{B0CA13EC-1D3C-4D6F-8D1C-E8A452CFC79A}">
-  <ds:schemaRefs>
-    <ds:schemaRef ds:uri="http://schemas.microsoft.com/sharepoint/v3/contenttype/forms"/>
-  </ds:schemaRefs>
-</ds:datastoreItem>
 </file>
--- a/Slides/Module 1 - Introduction to Flask.pptx
+++ b/Slides/Module 1 - Introduction to Flask.pptx
@@ -6012,13 +6012,9 @@
           <a:p>
             <a:r>
               <a:rPr lang="en-US" dirty="0" smtClean="0"/>
-              <a:t>Begin pursuing deeper knowledge of web </a:t>
-            </a:r>
-            <a:r>
-              <a:rPr lang="en-US" smtClean="0"/>
-              <a:t>application development</a:t>
-            </a:r>
-            <a:endParaRPr lang="en-US"/>
+              <a:t>Begin pursuing deeper knowledge of web application development</a:t>
+            </a:r>
+            <a:endParaRPr lang="en-US" dirty="0"/>
           </a:p>
         </p:txBody>
       </p:sp>

--- a/Slides/Module 1 - Introduction to Flask.pptx
+++ b/Slides/Module 1 - Introduction to Flask.pptx
@@ -5,10 +5,10 @@
     <p:sldMasterId id="2147483660" r:id="rId4"/>
   </p:sldMasterIdLst>
   <p:notesMasterIdLst>
-    <p:notesMasterId r:id="rId29"/>
+    <p:notesMasterId r:id="rId31"/>
   </p:notesMasterIdLst>
   <p:handoutMasterIdLst>
-    <p:handoutMasterId r:id="rId30"/>
+    <p:handoutMasterId r:id="rId32"/>
   </p:handoutMasterIdLst>
   <p:sldIdLst>
     <p:sldId id="271" r:id="rId5"/>
@@ -30,11 +30,13 @@
     <p:sldId id="292" r:id="rId21"/>
     <p:sldId id="293" r:id="rId22"/>
     <p:sldId id="295" r:id="rId23"/>
-    <p:sldId id="296" r:id="rId24"/>
-    <p:sldId id="294" r:id="rId25"/>
-    <p:sldId id="297" r:id="rId26"/>
-    <p:sldId id="298" r:id="rId27"/>
-    <p:sldId id="269" r:id="rId28"/>
+    <p:sldId id="299" r:id="rId24"/>
+    <p:sldId id="300" r:id="rId25"/>
+    <p:sldId id="296" r:id="rId26"/>
+    <p:sldId id="294" r:id="rId27"/>
+    <p:sldId id="297" r:id="rId28"/>
+    <p:sldId id="298" r:id="rId29"/>
+    <p:sldId id="269" r:id="rId30"/>
   </p:sldIdLst>
   <p:sldSz cx="12192000" cy="6858000"/>
   <p:notesSz cx="6858000" cy="9144000"/>
@@ -226,7 +228,7 @@
           <a:p>
             <a:fld id="{312E7B4A-039C-48A2-9B2C-AF16AA3873D8}" type="datetimeFigureOut">
               <a:rPr lang="en-US" smtClean="0"/>
-              <a:t>12/15/2014</a:t>
+              <a:t>12/16/2014</a:t>
             </a:fld>
             <a:endParaRPr lang="en-US"/>
           </a:p>
@@ -391,7 +393,7 @@
           <a:p>
             <a:fld id="{DA005A0C-54D9-45AA-87D4-C551D08DFCE1}" type="datetimeFigureOut">
               <a:rPr lang="en-US" smtClean="0"/>
-              <a:t>12/15/2014</a:t>
+              <a:t>12/16/2014</a:t>
             </a:fld>
             <a:endParaRPr lang="en-US"/>
           </a:p>
@@ -5270,8 +5272,15 @@
           <a:p>
             <a:r>
               <a:rPr lang="en-US" dirty="0" smtClean="0"/>
+              <a:t>Necessary components</a:t>
+            </a:r>
+          </a:p>
+          <a:p>
+            <a:r>
+              <a:rPr lang="en-US" dirty="0" smtClean="0"/>
               <a:t>Environments</a:t>
             </a:r>
+            <a:endParaRPr lang="en-US" dirty="0" smtClean="0"/>
           </a:p>
           <a:p>
             <a:r>
@@ -5507,6 +5516,442 @@
 </file>
 
 <file path=ppt/slides/slide20.xml><?xml version="1.0" encoding="utf-8"?>
+<p:sld xmlns:a="http://schemas.openxmlformats.org/drawingml/2006/main" xmlns:r="http://schemas.openxmlformats.org/officeDocument/2006/relationships" xmlns:p="http://schemas.openxmlformats.org/presentationml/2006/main">
+  <p:cSld>
+    <p:spTree>
+      <p:nvGrpSpPr>
+        <p:cNvPr id="1" name=""/>
+        <p:cNvGrpSpPr/>
+        <p:nvPr/>
+      </p:nvGrpSpPr>
+      <p:grpSpPr>
+        <a:xfrm>
+          <a:off x="0" y="0"/>
+          <a:ext cx="0" cy="0"/>
+          <a:chOff x="0" y="0"/>
+          <a:chExt cx="0" cy="0"/>
+        </a:xfrm>
+      </p:grpSpPr>
+      <p:sp>
+        <p:nvSpPr>
+          <p:cNvPr id="3" name="Content Placeholder 2"/>
+          <p:cNvSpPr>
+            <a:spLocks noGrp="1"/>
+          </p:cNvSpPr>
+          <p:nvPr>
+            <p:ph sz="half" idx="2"/>
+          </p:nvPr>
+        </p:nvSpPr>
+        <p:spPr/>
+        <p:txBody>
+          <a:bodyPr/>
+          <a:lstStyle/>
+          <a:p>
+            <a:r>
+              <a:rPr lang="en-CA" b="0" dirty="0" smtClean="0"/>
+              <a:t>There are a lot of different tools out there you can use to write Python Code.</a:t>
+            </a:r>
+          </a:p>
+          <a:p>
+            <a:r>
+              <a:rPr lang="en-CA" b="0" dirty="0" smtClean="0"/>
+              <a:t>In this course we will use Visual Studio + Python Tools for Visual Studio</a:t>
+            </a:r>
+            <a:endParaRPr lang="en-US" b="0" dirty="0"/>
+          </a:p>
+        </p:txBody>
+      </p:sp>
+      <p:pic>
+        <p:nvPicPr>
+          <p:cNvPr id="5" name="Content Placeholder 4"/>
+          <p:cNvPicPr>
+            <a:picLocks noGrp="1" noChangeAspect="1"/>
+          </p:cNvPicPr>
+          <p:nvPr>
+            <p:ph sz="quarter" idx="4"/>
+          </p:nvPr>
+        </p:nvPicPr>
+        <p:blipFill>
+          <a:blip r:embed="rId2">
+            <a:extLst>
+              <a:ext uri="{28A0092B-C50C-407E-A947-70E740481C1C}">
+                <a14:useLocalDpi xmlns:a14="http://schemas.microsoft.com/office/drawing/2010/main" val="0"/>
+              </a:ext>
+            </a:extLst>
+          </a:blip>
+          <a:stretch>
+            <a:fillRect/>
+          </a:stretch>
+        </p:blipFill>
+        <p:spPr>
+          <a:xfrm>
+            <a:off x="7513036" y="1609726"/>
+            <a:ext cx="3028950" cy="2238375"/>
+          </a:xfrm>
+        </p:spPr>
+      </p:pic>
+      <p:sp>
+        <p:nvSpPr>
+          <p:cNvPr id="2" name="Title 1"/>
+          <p:cNvSpPr>
+            <a:spLocks noGrp="1"/>
+          </p:cNvSpPr>
+          <p:nvPr>
+            <p:ph type="title"/>
+          </p:nvPr>
+        </p:nvSpPr>
+        <p:spPr/>
+        <p:txBody>
+          <a:bodyPr/>
+          <a:lstStyle/>
+          <a:p>
+            <a:r>
+              <a:rPr lang="en-CA" dirty="0" smtClean="0"/>
+              <a:t>You need to install software on your PC/laptop</a:t>
+            </a:r>
+            <a:endParaRPr lang="en-US" dirty="0"/>
+          </a:p>
+        </p:txBody>
+      </p:sp>
+      <p:pic>
+        <p:nvPicPr>
+          <p:cNvPr id="6" name="Picture 5"/>
+          <p:cNvPicPr>
+            <a:picLocks noChangeAspect="1"/>
+          </p:cNvPicPr>
+          <p:nvPr/>
+        </p:nvPicPr>
+        <p:blipFill>
+          <a:blip r:embed="rId3"/>
+          <a:stretch>
+            <a:fillRect/>
+          </a:stretch>
+        </p:blipFill>
+        <p:spPr>
+          <a:xfrm>
+            <a:off x="5172425" y="4536957"/>
+            <a:ext cx="6486525" cy="1114425"/>
+          </a:xfrm>
+          <a:prstGeom prst="rect">
+            <a:avLst/>
+          </a:prstGeom>
+        </p:spPr>
+      </p:pic>
+    </p:spTree>
+    <p:extLst>
+      <p:ext uri="{BB962C8B-B14F-4D97-AF65-F5344CB8AC3E}">
+        <p14:creationId xmlns:p14="http://schemas.microsoft.com/office/powerpoint/2010/main" val="754979482"/>
+      </p:ext>
+    </p:extLst>
+  </p:cSld>
+  <p:clrMapOvr>
+    <a:masterClrMapping/>
+  </p:clrMapOvr>
+  <p:timing>
+    <p:tnLst>
+      <p:par>
+        <p:cTn id="1" dur="indefinite" restart="never" nodeType="tmRoot">
+          <p:childTnLst>
+            <p:seq concurrent="1" nextAc="seek">
+              <p:cTn id="2" dur="indefinite" nodeType="mainSeq">
+                <p:childTnLst>
+                  <p:par>
+                    <p:cTn id="3" fill="hold">
+                      <p:stCondLst>
+                        <p:cond delay="indefinite"/>
+                      </p:stCondLst>
+                      <p:childTnLst>
+                        <p:par>
+                          <p:cTn id="4" fill="hold">
+                            <p:stCondLst>
+                              <p:cond delay="0"/>
+                            </p:stCondLst>
+                            <p:childTnLst>
+                              <p:par>
+                                <p:cTn id="5" presetID="1" presetClass="entr" presetSubtype="0" fill="hold" nodeType="clickEffect">
+                                  <p:stCondLst>
+                                    <p:cond delay="0"/>
+                                  </p:stCondLst>
+                                  <p:childTnLst>
+                                    <p:set>
+                                      <p:cBhvr>
+                                        <p:cTn id="6" dur="1" fill="hold">
+                                          <p:stCondLst>
+                                            <p:cond delay="0"/>
+                                          </p:stCondLst>
+                                        </p:cTn>
+                                        <p:tgtEl>
+                                          <p:spTgt spid="3">
+                                            <p:txEl>
+                                              <p:pRg st="1" end="1"/>
+                                            </p:txEl>
+                                          </p:spTgt>
+                                        </p:tgtEl>
+                                        <p:attrNameLst>
+                                          <p:attrName>style.visibility</p:attrName>
+                                        </p:attrNameLst>
+                                      </p:cBhvr>
+                                      <p:to>
+                                        <p:strVal val="visible"/>
+                                      </p:to>
+                                    </p:set>
+                                  </p:childTnLst>
+                                </p:cTn>
+                              </p:par>
+                              <p:par>
+                                <p:cTn id="7" presetID="1" presetClass="entr" presetSubtype="0" fill="hold" nodeType="withEffect">
+                                  <p:stCondLst>
+                                    <p:cond delay="0"/>
+                                  </p:stCondLst>
+                                  <p:childTnLst>
+                                    <p:set>
+                                      <p:cBhvr>
+                                        <p:cTn id="8" dur="1" fill="hold">
+                                          <p:stCondLst>
+                                            <p:cond delay="0"/>
+                                          </p:stCondLst>
+                                        </p:cTn>
+                                        <p:tgtEl>
+                                          <p:spTgt spid="5"/>
+                                        </p:tgtEl>
+                                        <p:attrNameLst>
+                                          <p:attrName>style.visibility</p:attrName>
+                                        </p:attrNameLst>
+                                      </p:cBhvr>
+                                      <p:to>
+                                        <p:strVal val="visible"/>
+                                      </p:to>
+                                    </p:set>
+                                  </p:childTnLst>
+                                </p:cTn>
+                              </p:par>
+                              <p:par>
+                                <p:cTn id="9" presetID="1" presetClass="entr" presetSubtype="0" fill="hold" nodeType="withEffect">
+                                  <p:stCondLst>
+                                    <p:cond delay="0"/>
+                                  </p:stCondLst>
+                                  <p:childTnLst>
+                                    <p:set>
+                                      <p:cBhvr>
+                                        <p:cTn id="10" dur="1" fill="hold">
+                                          <p:stCondLst>
+                                            <p:cond delay="0"/>
+                                          </p:stCondLst>
+                                        </p:cTn>
+                                        <p:tgtEl>
+                                          <p:spTgt spid="6"/>
+                                        </p:tgtEl>
+                                        <p:attrNameLst>
+                                          <p:attrName>style.visibility</p:attrName>
+                                        </p:attrNameLst>
+                                      </p:cBhvr>
+                                      <p:to>
+                                        <p:strVal val="visible"/>
+                                      </p:to>
+                                    </p:set>
+                                  </p:childTnLst>
+                                </p:cTn>
+                              </p:par>
+                            </p:childTnLst>
+                          </p:cTn>
+                        </p:par>
+                      </p:childTnLst>
+                    </p:cTn>
+                  </p:par>
+                </p:childTnLst>
+              </p:cTn>
+              <p:prevCondLst>
+                <p:cond evt="onPrev" delay="0">
+                  <p:tgtEl>
+                    <p:sldTgt/>
+                  </p:tgtEl>
+                </p:cond>
+              </p:prevCondLst>
+              <p:nextCondLst>
+                <p:cond evt="onNext" delay="0">
+                  <p:tgtEl>
+                    <p:sldTgt/>
+                  </p:tgtEl>
+                </p:cond>
+              </p:nextCondLst>
+            </p:seq>
+          </p:childTnLst>
+        </p:cTn>
+      </p:par>
+    </p:tnLst>
+  </p:timing>
+</p:sld>
+</file>
+
+<file path=ppt/slides/slide21.xml><?xml version="1.0" encoding="utf-8"?>
+<p:sld xmlns:a="http://schemas.openxmlformats.org/drawingml/2006/main" xmlns:r="http://schemas.openxmlformats.org/officeDocument/2006/relationships" xmlns:p="http://schemas.openxmlformats.org/presentationml/2006/main">
+  <p:cSld>
+    <p:spTree>
+      <p:nvGrpSpPr>
+        <p:cNvPr id="1" name=""/>
+        <p:cNvGrpSpPr/>
+        <p:nvPr/>
+      </p:nvGrpSpPr>
+      <p:grpSpPr>
+        <a:xfrm>
+          <a:off x="0" y="0"/>
+          <a:ext cx="0" cy="0"/>
+          <a:chOff x="0" y="0"/>
+          <a:chExt cx="0" cy="0"/>
+        </a:xfrm>
+      </p:grpSpPr>
+      <p:sp>
+        <p:nvSpPr>
+          <p:cNvPr id="4" name="Title 3"/>
+          <p:cNvSpPr>
+            <a:spLocks noGrp="1"/>
+          </p:cNvSpPr>
+          <p:nvPr>
+            <p:ph type="title"/>
+          </p:nvPr>
+        </p:nvSpPr>
+        <p:spPr/>
+        <p:txBody>
+          <a:bodyPr>
+            <a:normAutofit fontScale="90000"/>
+          </a:bodyPr>
+          <a:lstStyle/>
+          <a:p>
+            <a:r>
+              <a:rPr lang="en-CA" dirty="0" smtClean="0"/>
+              <a:t>The installation steps are explained at the Python Tools for Visual Studio website</a:t>
+            </a:r>
+            <a:endParaRPr lang="en-US" dirty="0"/>
+          </a:p>
+        </p:txBody>
+      </p:sp>
+      <p:sp>
+        <p:nvSpPr>
+          <p:cNvPr id="2" name="Content Placeholder 1"/>
+          <p:cNvSpPr>
+            <a:spLocks noGrp="1"/>
+          </p:cNvSpPr>
+          <p:nvPr>
+            <p:ph sz="quarter" idx="10"/>
+          </p:nvPr>
+        </p:nvSpPr>
+        <p:spPr/>
+        <p:txBody>
+          <a:bodyPr/>
+          <a:lstStyle/>
+          <a:p>
+            <a:pPr marL="514350" indent="-514350">
+              <a:buFont typeface="+mj-lt"/>
+              <a:buAutoNum type="arabicPeriod"/>
+            </a:pPr>
+            <a:r>
+              <a:rPr lang="en-CA" dirty="0" smtClean="0"/>
+              <a:t>Install Visual Studio </a:t>
+            </a:r>
+            <a:r>
+              <a:rPr lang="en-CA" dirty="0" smtClean="0"/>
+              <a:t>2013 Community Edition</a:t>
+            </a:r>
+            <a:endParaRPr lang="en-CA" dirty="0" smtClean="0"/>
+          </a:p>
+          <a:p>
+            <a:pPr marL="514350" indent="-514350">
+              <a:buFont typeface="+mj-lt"/>
+              <a:buAutoNum type="arabicPeriod"/>
+            </a:pPr>
+            <a:r>
+              <a:rPr lang="en-CA" dirty="0" smtClean="0"/>
+              <a:t>Install Visual Studio 2013 Update </a:t>
+            </a:r>
+            <a:r>
+              <a:rPr lang="en-CA" dirty="0" smtClean="0"/>
+              <a:t>4 </a:t>
+            </a:r>
+            <a:r>
+              <a:rPr lang="en-CA" dirty="0" smtClean="0"/>
+              <a:t>so you have the latest features</a:t>
+            </a:r>
+          </a:p>
+          <a:p>
+            <a:pPr marL="514350" indent="-514350">
+              <a:buFont typeface="+mj-lt"/>
+              <a:buAutoNum type="arabicPeriod"/>
+            </a:pPr>
+            <a:r>
+              <a:rPr lang="en-CA" dirty="0" smtClean="0"/>
+              <a:t>Install Python Tools for Visual Studio</a:t>
+            </a:r>
+          </a:p>
+          <a:p>
+            <a:pPr marL="514350" indent="-514350">
+              <a:buFont typeface="+mj-lt"/>
+              <a:buAutoNum type="arabicPeriod"/>
+            </a:pPr>
+            <a:r>
+              <a:rPr lang="en-CA" dirty="0" smtClean="0"/>
+              <a:t>Install the Python 3.4 interpreter </a:t>
+            </a:r>
+            <a:endParaRPr lang="en-CA" dirty="0" smtClean="0"/>
+          </a:p>
+          <a:p>
+            <a:pPr marL="514350" indent="-514350">
+              <a:buFont typeface="+mj-lt"/>
+              <a:buAutoNum type="arabicPeriod"/>
+            </a:pPr>
+            <a:endParaRPr lang="en-CA" dirty="0"/>
+          </a:p>
+          <a:p>
+            <a:pPr marL="514350" indent="-514350">
+              <a:buFont typeface="+mj-lt"/>
+              <a:buAutoNum type="arabicPeriod"/>
+            </a:pPr>
+            <a:endParaRPr lang="en-CA" dirty="0" smtClean="0"/>
+          </a:p>
+          <a:p>
+            <a:pPr marL="0" indent="0">
+              <a:buNone/>
+            </a:pPr>
+            <a:r>
+              <a:rPr lang="en-CA" dirty="0" smtClean="0"/>
+              <a:t>http</a:t>
+            </a:r>
+            <a:r>
+              <a:rPr lang="en-CA" smtClean="0"/>
+              <a:t>://pytools.codeplex.com/documentation </a:t>
+            </a:r>
+            <a:r>
+              <a:rPr lang="en-CA" dirty="0" smtClean="0"/>
+              <a:t>for </a:t>
+            </a:r>
+            <a:r>
+              <a:rPr lang="en-CA" smtClean="0"/>
+              <a:t>full instructions</a:t>
+            </a:r>
+            <a:endParaRPr lang="en-US" dirty="0"/>
+          </a:p>
+        </p:txBody>
+      </p:sp>
+    </p:spTree>
+    <p:extLst>
+      <p:ext uri="{BB962C8B-B14F-4D97-AF65-F5344CB8AC3E}">
+        <p14:creationId xmlns:p14="http://schemas.microsoft.com/office/powerpoint/2010/main" val="3480240957"/>
+      </p:ext>
+    </p:extLst>
+  </p:cSld>
+  <p:clrMapOvr>
+    <a:masterClrMapping/>
+  </p:clrMapOvr>
+  <p:timing>
+    <p:tnLst>
+      <p:par>
+        <p:cTn id="1" dur="indefinite" restart="never" nodeType="tmRoot"/>
+      </p:par>
+    </p:tnLst>
+  </p:timing>
+</p:sld>
+</file>
+
+<file path=ppt/slides/slide22.xml><?xml version="1.0" encoding="utf-8"?>
 <p:sld xmlns:a="http://schemas.openxmlformats.org/drawingml/2006/main" xmlns:r="http://schemas.openxmlformats.org/officeDocument/2006/relationships" xmlns:p="http://schemas.openxmlformats.org/presentationml/2006/main">
   <p:cSld>
     <p:spTree>
@@ -5813,7 +6258,7 @@
 </p:sld>
 </file>
 
-<file path=ppt/slides/slide21.xml><?xml version="1.0" encoding="utf-8"?>
+<file path=ppt/slides/slide23.xml><?xml version="1.0" encoding="utf-8"?>
 <p:sld xmlns:a="http://schemas.openxmlformats.org/drawingml/2006/main" xmlns:r="http://schemas.openxmlformats.org/officeDocument/2006/relationships" xmlns:p="http://schemas.openxmlformats.org/presentationml/2006/main">
   <p:cSld>
     <p:spTree>
@@ -5873,7 +6318,7 @@
 </p:sld>
 </file>
 
-<file path=ppt/slides/slide22.xml><?xml version="1.0" encoding="utf-8"?>
+<file path=ppt/slides/slide24.xml><?xml version="1.0" encoding="utf-8"?>
 <p:sld xmlns:a="http://schemas.openxmlformats.org/drawingml/2006/main" xmlns:r="http://schemas.openxmlformats.org/officeDocument/2006/relationships" xmlns:p="http://schemas.openxmlformats.org/presentationml/2006/main">
   <p:cSld>
     <p:spTree>
@@ -5955,7 +6400,7 @@
 </p:sld>
 </file>
 
-<file path=ppt/slides/slide23.xml><?xml version="1.0" encoding="utf-8"?>
+<file path=ppt/slides/slide25.xml><?xml version="1.0" encoding="utf-8"?>
 <p:sld xmlns:a="http://schemas.openxmlformats.org/drawingml/2006/main" xmlns:r="http://schemas.openxmlformats.org/officeDocument/2006/relationships" xmlns:p="http://schemas.openxmlformats.org/presentationml/2006/main">
   <p:cSld>
     <p:spTree>
@@ -6031,7 +6476,7 @@
 </p:sld>
 </file>
 
-<file path=ppt/slides/slide24.xml><?xml version="1.0" encoding="utf-8"?>
+<file path=ppt/slides/slide26.xml><?xml version="1.0" encoding="utf-8"?>
 <p:sld xmlns:a="http://schemas.openxmlformats.org/drawingml/2006/main" xmlns:r="http://schemas.openxmlformats.org/officeDocument/2006/relationships" xmlns:p="http://schemas.openxmlformats.org/presentationml/2006/main">
   <p:cSld>
     <p:spTree>
@@ -6343,14 +6788,14 @@
                 <a:gridCol w="5762625">
                   <a:extLst>
                     <a:ext uri="{9D8B030D-6E8A-4147-A177-3AD203B41FA5}">
-                      <a16:colId xmlns="" xmlns:a16="http://schemas.microsoft.com/office/drawing/2014/main" val="1632794655"/>
+                      <a16:colId xmlns:a16="http://schemas.microsoft.com/office/drawing/2014/main" xmlns="" val="1632794655"/>
                     </a:ext>
                   </a:extLst>
                 </a:gridCol>
                 <a:gridCol w="5762625">
                   <a:extLst>
                     <a:ext uri="{9D8B030D-6E8A-4147-A177-3AD203B41FA5}">
-                      <a16:colId xmlns="" xmlns:a16="http://schemas.microsoft.com/office/drawing/2014/main" val="2011313899"/>
+                      <a16:colId xmlns:a16="http://schemas.microsoft.com/office/drawing/2014/main" xmlns="" val="2011313899"/>
                     </a:ext>
                   </a:extLst>
                 </a:gridCol>
@@ -6388,7 +6833,7 @@
                 </a:tc>
                 <a:extLst>
                   <a:ext uri="{0D108BD9-81ED-4DB2-BD59-A6C34878D82A}">
-                    <a16:rowId xmlns="" xmlns:a16="http://schemas.microsoft.com/office/drawing/2014/main" val="1789177411"/>
+                    <a16:rowId xmlns:a16="http://schemas.microsoft.com/office/drawing/2014/main" xmlns="" val="1789177411"/>
                   </a:ext>
                 </a:extLst>
               </a:tr>
@@ -6435,7 +6880,7 @@
                 </a:tc>
                 <a:extLst>
                   <a:ext uri="{0D108BD9-81ED-4DB2-BD59-A6C34878D82A}">
-                    <a16:rowId xmlns="" xmlns:a16="http://schemas.microsoft.com/office/drawing/2014/main" val="3842815335"/>
+                    <a16:rowId xmlns:a16="http://schemas.microsoft.com/office/drawing/2014/main" xmlns="" val="3842815335"/>
                   </a:ext>
                 </a:extLst>
               </a:tr>
@@ -6482,7 +6927,7 @@
                 </a:tc>
                 <a:extLst>
                   <a:ext uri="{0D108BD9-81ED-4DB2-BD59-A6C34878D82A}">
-                    <a16:rowId xmlns="" xmlns:a16="http://schemas.microsoft.com/office/drawing/2014/main" val="321066646"/>
+                    <a16:rowId xmlns:a16="http://schemas.microsoft.com/office/drawing/2014/main" xmlns="" val="321066646"/>
                   </a:ext>
                 </a:extLst>
               </a:tr>
@@ -6553,7 +6998,7 @@
                 </a:tc>
                 <a:extLst>
                   <a:ext uri="{0D108BD9-81ED-4DB2-BD59-A6C34878D82A}">
-                    <a16:rowId xmlns="" xmlns:a16="http://schemas.microsoft.com/office/drawing/2014/main" val="3812060533"/>
+                    <a16:rowId xmlns:a16="http://schemas.microsoft.com/office/drawing/2014/main" xmlns="" val="3812060533"/>
                   </a:ext>
                 </a:extLst>
               </a:tr>
@@ -7999,6 +8444,19 @@
 </file>
 
 <file path=customXml/item2.xml><?xml version="1.0" encoding="utf-8"?>
+<p:properties xmlns:p="http://schemas.microsoft.com/office/2006/metadata/properties" xmlns:xsi="http://www.w3.org/2001/XMLSchema-instance" xmlns:pc="http://schemas.microsoft.com/office/infopath/2007/PartnerControls">
+  <documentManagement>
+    <TaxCatchAll xmlns="230e9df3-be65-4c73-a93b-d1236ebd677e"/>
+    <PublishingExpirationDate xmlns="http://schemas.microsoft.com/sharepoint/v3" xsi:nil="true"/>
+    <PublishingStartDate xmlns="http://schemas.microsoft.com/sharepoint/v3" xsi:nil="true"/>
+    <TaxKeywordTaxHTField xmlns="230e9df3-be65-4c73-a93b-d1236ebd677e">
+      <Terms xmlns="http://schemas.microsoft.com/office/infopath/2007/PartnerControls"/>
+    </TaxKeywordTaxHTField>
+  </documentManagement>
+</p:properties>
+</file>
+
+<file path=customXml/item3.xml><?xml version="1.0" encoding="utf-8"?>
 <ct:contentTypeSchema xmlns:ct="http://schemas.microsoft.com/office/2006/metadata/contentType" xmlns:ma="http://schemas.microsoft.com/office/2006/metadata/properties/metaAttributes" ct:_="" ma:_="" ma:contentTypeName="Document" ma:contentTypeID="0x010100496889825850D44592AC5D2F43187AE4" ma:contentTypeVersion="5" ma:contentTypeDescription="Create a new document." ma:contentTypeScope="" ma:versionID="fde90edb5a63ba841bca516fd2abaf95">
   <xsd:schema xmlns:xsd="http://www.w3.org/2001/XMLSchema" xmlns:xs="http://www.w3.org/2001/XMLSchema" xmlns:p="http://schemas.microsoft.com/office/2006/metadata/properties" xmlns:ns1="http://schemas.microsoft.com/sharepoint/v3" xmlns:ns2="230e9df3-be65-4c73-a93b-d1236ebd677e" xmlns:ns3="27aa9422-7f1f-4c84-9cdf-302b1a67e513" targetNamespace="http://schemas.microsoft.com/office/2006/metadata/properties" ma:root="true" ma:fieldsID="5e7808ae941cc340dbe51a3031959734" ns1:_="" ns2:_="" ns3:_="">
     <xsd:import namespace="http://schemas.microsoft.com/sharepoint/v3"/>
@@ -8180,19 +8638,6 @@
 </ct:contentTypeSchema>
 </file>
 
-<file path=customXml/item3.xml><?xml version="1.0" encoding="utf-8"?>
-<p:properties xmlns:p="http://schemas.microsoft.com/office/2006/metadata/properties" xmlns:xsi="http://www.w3.org/2001/XMLSchema-instance" xmlns:pc="http://schemas.microsoft.com/office/infopath/2007/PartnerControls">
-  <documentManagement>
-    <TaxCatchAll xmlns="230e9df3-be65-4c73-a93b-d1236ebd677e"/>
-    <PublishingExpirationDate xmlns="http://schemas.microsoft.com/sharepoint/v3" xsi:nil="true"/>
-    <PublishingStartDate xmlns="http://schemas.microsoft.com/sharepoint/v3" xsi:nil="true"/>
-    <TaxKeywordTaxHTField xmlns="230e9df3-be65-4c73-a93b-d1236ebd677e">
-      <Terms xmlns="http://schemas.microsoft.com/office/infopath/2007/PartnerControls"/>
-    </TaxKeywordTaxHTField>
-  </documentManagement>
-</p:properties>
-</file>
-
 <file path=customXml/itemProps1.xml><?xml version="1.0" encoding="utf-8"?>
 <ds:datastoreItem xmlns:ds="http://schemas.openxmlformats.org/officeDocument/2006/customXml" ds:itemID="{B0CA13EC-1D3C-4D6F-8D1C-E8A452CFC79A}">
   <ds:schemaRefs>
@@ -8202,6 +8647,24 @@
 </file>
 
 <file path=customXml/itemProps2.xml><?xml version="1.0" encoding="utf-8"?>
+<ds:datastoreItem xmlns:ds="http://schemas.openxmlformats.org/officeDocument/2006/customXml" ds:itemID="{7025FDD9-4C58-4084-9F89-0E6ADD6FFF55}">
+  <ds:schemaRefs>
+    <ds:schemaRef ds:uri="http://purl.org/dc/elements/1.1/"/>
+    <ds:schemaRef ds:uri="27aa9422-7f1f-4c84-9cdf-302b1a67e513"/>
+    <ds:schemaRef ds:uri="http://schemas.microsoft.com/office/2006/metadata/properties"/>
+    <ds:schemaRef ds:uri="http://purl.org/dc/terms/"/>
+    <ds:schemaRef ds:uri="http://schemas.microsoft.com/sharepoint/v3"/>
+    <ds:schemaRef ds:uri="230e9df3-be65-4c73-a93b-d1236ebd677e"/>
+    <ds:schemaRef ds:uri="http://schemas.microsoft.com/office/2006/documentManagement/types"/>
+    <ds:schemaRef ds:uri="http://schemas.openxmlformats.org/package/2006/metadata/core-properties"/>
+    <ds:schemaRef ds:uri="http://schemas.microsoft.com/office/infopath/2007/PartnerControls"/>
+    <ds:schemaRef ds:uri="http://www.w3.org/XML/1998/namespace"/>
+    <ds:schemaRef ds:uri="http://purl.org/dc/dcmitype/"/>
+  </ds:schemaRefs>
+</ds:datastoreItem>
+</file>
+
+<file path=customXml/itemProps3.xml><?xml version="1.0" encoding="utf-8"?>
 <ds:datastoreItem xmlns:ds="http://schemas.openxmlformats.org/officeDocument/2006/customXml" ds:itemID="{3253B29C-1CCD-4FE8-A1C4-023A0910DF96}">
   <ds:schemaRefs>
     <ds:schemaRef ds:uri="http://schemas.microsoft.com/office/2006/metadata/contentType"/>
@@ -8219,22 +8682,4 @@
     <ds:schemaRef ds:uri="http://schemas.microsoft.com/internal/obd"/>
   </ds:schemaRefs>
 </ds:datastoreItem>
-</file>
-
-<file path=customXml/itemProps3.xml><?xml version="1.0" encoding="utf-8"?>
-<ds:datastoreItem xmlns:ds="http://schemas.openxmlformats.org/officeDocument/2006/customXml" ds:itemID="{7025FDD9-4C58-4084-9F89-0E6ADD6FFF55}">
-  <ds:schemaRefs>
-    <ds:schemaRef ds:uri="http://purl.org/dc/elements/1.1/"/>
-    <ds:schemaRef ds:uri="27aa9422-7f1f-4c84-9cdf-302b1a67e513"/>
-    <ds:schemaRef ds:uri="http://schemas.microsoft.com/office/2006/metadata/properties"/>
-    <ds:schemaRef ds:uri="http://purl.org/dc/terms/"/>
-    <ds:schemaRef ds:uri="http://schemas.microsoft.com/sharepoint/v3"/>
-    <ds:schemaRef ds:uri="230e9df3-be65-4c73-a93b-d1236ebd677e"/>
-    <ds:schemaRef ds:uri="http://schemas.microsoft.com/office/2006/documentManagement/types"/>
-    <ds:schemaRef ds:uri="http://schemas.openxmlformats.org/package/2006/metadata/core-properties"/>
-    <ds:schemaRef ds:uri="http://schemas.microsoft.com/office/infopath/2007/PartnerControls"/>
-    <ds:schemaRef ds:uri="http://www.w3.org/XML/1998/namespace"/>
-    <ds:schemaRef ds:uri="http://purl.org/dc/dcmitype/"/>
-  </ds:schemaRefs>
-</ds:datastoreItem>
 </file>
--- a/Slides/Module 1 - Introduction to Flask.pptx
+++ b/Slides/Module 1 - Introduction to Flask.pptx
@@ -5,10 +5,10 @@
     <p:sldMasterId id="2147483660" r:id="rId4"/>
   </p:sldMasterIdLst>
   <p:notesMasterIdLst>
-    <p:notesMasterId r:id="rId31"/>
+    <p:notesMasterId r:id="rId41"/>
   </p:notesMasterIdLst>
   <p:handoutMasterIdLst>
-    <p:handoutMasterId r:id="rId32"/>
+    <p:handoutMasterId r:id="rId42"/>
   </p:handoutMasterIdLst>
   <p:sldIdLst>
     <p:sldId id="271" r:id="rId5"/>
@@ -34,9 +34,19 @@
     <p:sldId id="300" r:id="rId25"/>
     <p:sldId id="296" r:id="rId26"/>
     <p:sldId id="294" r:id="rId27"/>
-    <p:sldId id="297" r:id="rId28"/>
-    <p:sldId id="298" r:id="rId29"/>
-    <p:sldId id="269" r:id="rId30"/>
+    <p:sldId id="301" r:id="rId28"/>
+    <p:sldId id="302" r:id="rId29"/>
+    <p:sldId id="303" r:id="rId30"/>
+    <p:sldId id="304" r:id="rId31"/>
+    <p:sldId id="305" r:id="rId32"/>
+    <p:sldId id="311" r:id="rId33"/>
+    <p:sldId id="307" r:id="rId34"/>
+    <p:sldId id="308" r:id="rId35"/>
+    <p:sldId id="309" r:id="rId36"/>
+    <p:sldId id="310" r:id="rId37"/>
+    <p:sldId id="297" r:id="rId38"/>
+    <p:sldId id="298" r:id="rId39"/>
+    <p:sldId id="269" r:id="rId40"/>
   </p:sldIdLst>
   <p:sldSz cx="12192000" cy="6858000"/>
   <p:notesSz cx="6858000" cy="9144000"/>
@@ -228,7 +238,7 @@
           <a:p>
             <a:fld id="{312E7B4A-039C-48A2-9B2C-AF16AA3873D8}" type="datetimeFigureOut">
               <a:rPr lang="en-US" smtClean="0"/>
-              <a:t>12/16/2014</a:t>
+              <a:t>12/17/2014</a:t>
             </a:fld>
             <a:endParaRPr lang="en-US"/>
           </a:p>
@@ -393,7 +403,7 @@
           <a:p>
             <a:fld id="{DA005A0C-54D9-45AA-87D4-C551D08DFCE1}" type="datetimeFigureOut">
               <a:rPr lang="en-US" smtClean="0"/>
-              <a:t>12/16/2014</a:t>
+              <a:t>12/17/2014</a:t>
             </a:fld>
             <a:endParaRPr lang="en-US"/>
           </a:p>
@@ -5280,7 +5290,6 @@
               <a:rPr lang="en-US" dirty="0" smtClean="0"/>
               <a:t>Environments</a:t>
             </a:r>
-            <a:endParaRPr lang="en-US" dirty="0" smtClean="0"/>
           </a:p>
           <a:p>
             <a:r>
@@ -5846,13 +5855,8 @@
             </a:pPr>
             <a:r>
               <a:rPr lang="en-CA" dirty="0" smtClean="0"/>
-              <a:t>Install Visual Studio </a:t>
-            </a:r>
-            <a:r>
-              <a:rPr lang="en-CA" dirty="0" smtClean="0"/>
-              <a:t>2013 Community Edition</a:t>
-            </a:r>
-            <a:endParaRPr lang="en-CA" dirty="0" smtClean="0"/>
+              <a:t>Install Visual Studio 2013 Community Edition</a:t>
+            </a:r>
           </a:p>
           <a:p>
             <a:pPr marL="514350" indent="-514350">
@@ -5861,15 +5865,7 @@
             </a:pPr>
             <a:r>
               <a:rPr lang="en-CA" dirty="0" smtClean="0"/>
-              <a:t>Install Visual Studio 2013 Update </a:t>
-            </a:r>
-            <a:r>
-              <a:rPr lang="en-CA" dirty="0" smtClean="0"/>
-              <a:t>4 </a:t>
-            </a:r>
-            <a:r>
-              <a:rPr lang="en-CA" dirty="0" smtClean="0"/>
-              <a:t>so you have the latest features</a:t>
+              <a:t>Install Visual Studio 2013 Update 4 so you have the latest features</a:t>
             </a:r>
           </a:p>
           <a:p>
@@ -5891,7 +5887,6 @@
               <a:rPr lang="en-CA" dirty="0" smtClean="0"/>
               <a:t>Install the Python 3.4 interpreter </a:t>
             </a:r>
-            <a:endParaRPr lang="en-CA" dirty="0" smtClean="0"/>
           </a:p>
           <a:p>
             <a:pPr marL="514350" indent="-514350">
@@ -6337,12 +6332,12 @@
       </p:grpSpPr>
       <p:sp>
         <p:nvSpPr>
-          <p:cNvPr id="3" name="Title 2"/>
+          <p:cNvPr id="5" name="Text Placeholder 4"/>
           <p:cNvSpPr>
             <a:spLocks noGrp="1"/>
           </p:cNvSpPr>
           <p:nvPr>
-            <p:ph type="title"/>
+            <p:ph type="body" sz="quarter" idx="10"/>
           </p:nvPr>
         </p:nvSpPr>
         <p:spPr/>
@@ -6352,7 +6347,7 @@
           <a:p>
             <a:r>
               <a:rPr lang="en-US" dirty="0" smtClean="0"/>
-              <a:t>What did we learn?</a:t>
+              <a:t>HTML primer</a:t>
             </a:r>
             <a:endParaRPr lang="en-US" dirty="0"/>
           </a:p>
@@ -6360,12 +6355,12 @@
       </p:sp>
       <p:sp>
         <p:nvSpPr>
-          <p:cNvPr id="4" name="Content Placeholder 3"/>
+          <p:cNvPr id="4" name="Subtitle 3"/>
           <p:cNvSpPr>
             <a:spLocks noGrp="1"/>
           </p:cNvSpPr>
           <p:nvPr>
-            <p:ph sz="quarter" idx="10"/>
+            <p:ph type="subTitle" idx="1"/>
           </p:nvPr>
         </p:nvSpPr>
         <p:spPr/>
@@ -6373,30 +6368,27 @@
           <a:bodyPr/>
           <a:lstStyle/>
           <a:p>
-            <a:r>
-              <a:rPr lang="en-US" dirty="0" smtClean="0"/>
-              <a:t>How to manage Python environments</a:t>
-            </a:r>
-          </a:p>
-          <a:p>
-            <a:r>
-              <a:rPr lang="en-US" dirty="0" smtClean="0"/>
-              <a:t>Begin developing web applications using Flask and Python</a:t>
-            </a:r>
-            <a:endParaRPr lang="en-US" dirty="0"/>
+            <a:endParaRPr lang="en-US"/>
           </a:p>
         </p:txBody>
       </p:sp>
     </p:spTree>
     <p:extLst>
       <p:ext uri="{BB962C8B-B14F-4D97-AF65-F5344CB8AC3E}">
-        <p14:creationId xmlns:p14="http://schemas.microsoft.com/office/powerpoint/2010/main" val="2053550612"/>
+        <p14:creationId xmlns:p14="http://schemas.microsoft.com/office/powerpoint/2010/main" val="1491804812"/>
       </p:ext>
     </p:extLst>
   </p:cSld>
   <p:clrMapOvr>
     <a:masterClrMapping/>
   </p:clrMapOvr>
+  <p:timing>
+    <p:tnLst>
+      <p:par>
+        <p:cTn id="1" dur="indefinite" restart="never" nodeType="tmRoot"/>
+      </p:par>
+    </p:tnLst>
+  </p:timing>
 </p:sld>
 </file>
 
@@ -6434,7 +6426,7 @@
           <a:p>
             <a:r>
               <a:rPr lang="en-US" dirty="0" smtClean="0"/>
-              <a:t>What can we do with this knowledge?</a:t>
+              <a:t>HTML primer</a:t>
             </a:r>
             <a:endParaRPr lang="en-US" dirty="0"/>
           </a:p>
@@ -6457,7 +6449,25 @@
           <a:p>
             <a:r>
               <a:rPr lang="en-US" dirty="0" smtClean="0"/>
-              <a:t>Begin pursuing deeper knowledge of web application development</a:t>
+              <a:t>HTML concepts</a:t>
+            </a:r>
+          </a:p>
+          <a:p>
+            <a:r>
+              <a:rPr lang="en-US" dirty="0" smtClean="0"/>
+              <a:t>Elements</a:t>
+            </a:r>
+          </a:p>
+          <a:p>
+            <a:r>
+              <a:rPr lang="en-US" dirty="0" smtClean="0"/>
+              <a:t>Attributes</a:t>
+            </a:r>
+          </a:p>
+          <a:p>
+            <a:r>
+              <a:rPr lang="en-US" dirty="0" smtClean="0"/>
+              <a:t>Additional resources</a:t>
             </a:r>
             <a:endParaRPr lang="en-US" dirty="0"/>
           </a:p>
@@ -6466,13 +6476,20 @@
     </p:spTree>
     <p:extLst>
       <p:ext uri="{BB962C8B-B14F-4D97-AF65-F5344CB8AC3E}">
-        <p14:creationId xmlns:p14="http://schemas.microsoft.com/office/powerpoint/2010/main" val="1591784090"/>
+        <p14:creationId xmlns:p14="http://schemas.microsoft.com/office/powerpoint/2010/main" val="1331380955"/>
       </p:ext>
     </p:extLst>
   </p:cSld>
   <p:clrMapOvr>
     <a:masterClrMapping/>
   </p:clrMapOvr>
+  <p:timing>
+    <p:tnLst>
+      <p:par>
+        <p:cTn id="1" dur="indefinite" restart="never" nodeType="tmRoot"/>
+      </p:par>
+    </p:tnLst>
+  </p:timing>
 </p:sld>
 </file>
 
@@ -6493,10 +6510,81 @@
           <a:chExt cx="0" cy="0"/>
         </a:xfrm>
       </p:grpSpPr>
+      <p:sp>
+        <p:nvSpPr>
+          <p:cNvPr id="2" name="Title 1"/>
+          <p:cNvSpPr>
+            <a:spLocks noGrp="1"/>
+          </p:cNvSpPr>
+          <p:nvPr>
+            <p:ph type="title"/>
+          </p:nvPr>
+        </p:nvSpPr>
+        <p:spPr/>
+        <p:txBody>
+          <a:bodyPr/>
+          <a:lstStyle/>
+          <a:p>
+            <a:r>
+              <a:rPr lang="en-US" dirty="0" smtClean="0"/>
+              <a:t>HTML concepts</a:t>
+            </a:r>
+            <a:endParaRPr lang="en-US" dirty="0"/>
+          </a:p>
+        </p:txBody>
+      </p:sp>
+      <p:sp>
+        <p:nvSpPr>
+          <p:cNvPr id="3" name="Content Placeholder 2"/>
+          <p:cNvSpPr>
+            <a:spLocks noGrp="1"/>
+          </p:cNvSpPr>
+          <p:nvPr>
+            <p:ph sz="quarter" idx="10"/>
+          </p:nvPr>
+        </p:nvSpPr>
+        <p:spPr/>
+        <p:txBody>
+          <a:bodyPr/>
+          <a:lstStyle/>
+          <a:p>
+            <a:r>
+              <a:rPr lang="en-US" dirty="0" smtClean="0"/>
+              <a:t>Hypertext markup language</a:t>
+            </a:r>
+          </a:p>
+          <a:p>
+            <a:r>
+              <a:rPr lang="en-US" dirty="0" smtClean="0"/>
+              <a:t>Standard markup for creating web pages</a:t>
+            </a:r>
+          </a:p>
+          <a:p>
+            <a:r>
+              <a:rPr lang="en-US" dirty="0" smtClean="0"/>
+              <a:t>Components</a:t>
+            </a:r>
+          </a:p>
+          <a:p>
+            <a:pPr lvl="1"/>
+            <a:r>
+              <a:rPr lang="en-US" dirty="0" smtClean="0"/>
+              <a:t>Elements</a:t>
+            </a:r>
+          </a:p>
+          <a:p>
+            <a:pPr lvl="1"/>
+            <a:r>
+              <a:rPr lang="en-US" dirty="0" smtClean="0"/>
+              <a:t>Attributes</a:t>
+            </a:r>
+          </a:p>
+        </p:txBody>
+      </p:sp>
     </p:spTree>
     <p:extLst>
       <p:ext uri="{BB962C8B-B14F-4D97-AF65-F5344CB8AC3E}">
-        <p14:creationId xmlns:p14="http://schemas.microsoft.com/office/powerpoint/2010/main" val="898363405"/>
+        <p14:creationId xmlns:p14="http://schemas.microsoft.com/office/powerpoint/2010/main" val="1980885868"/>
       </p:ext>
     </p:extLst>
   </p:cSld>
@@ -6509,6 +6597,1022 @@
         <p:cTn id="1" dur="indefinite" restart="never" nodeType="tmRoot"/>
       </p:par>
     </p:tnLst>
+  </p:timing>
+</p:sld>
+</file>
+
+<file path=ppt/slides/slide27.xml><?xml version="1.0" encoding="utf-8"?>
+<p:sld xmlns:a="http://schemas.openxmlformats.org/drawingml/2006/main" xmlns:r="http://schemas.openxmlformats.org/officeDocument/2006/relationships" xmlns:p="http://schemas.openxmlformats.org/presentationml/2006/main">
+  <p:cSld>
+    <p:spTree>
+      <p:nvGrpSpPr>
+        <p:cNvPr id="1" name=""/>
+        <p:cNvGrpSpPr/>
+        <p:nvPr/>
+      </p:nvGrpSpPr>
+      <p:grpSpPr>
+        <a:xfrm>
+          <a:off x="0" y="0"/>
+          <a:ext cx="0" cy="0"/>
+          <a:chOff x="0" y="0"/>
+          <a:chExt cx="0" cy="0"/>
+        </a:xfrm>
+      </p:grpSpPr>
+      <p:sp>
+        <p:nvSpPr>
+          <p:cNvPr id="2" name="Title 1"/>
+          <p:cNvSpPr>
+            <a:spLocks noGrp="1"/>
+          </p:cNvSpPr>
+          <p:nvPr>
+            <p:ph type="title"/>
+          </p:nvPr>
+        </p:nvSpPr>
+        <p:spPr/>
+        <p:txBody>
+          <a:bodyPr/>
+          <a:lstStyle/>
+          <a:p>
+            <a:r>
+              <a:rPr lang="en-US" dirty="0" smtClean="0"/>
+              <a:t>Elements</a:t>
+            </a:r>
+            <a:endParaRPr lang="en-US" dirty="0"/>
+          </a:p>
+        </p:txBody>
+      </p:sp>
+      <p:sp>
+        <p:nvSpPr>
+          <p:cNvPr id="3" name="Content Placeholder 2"/>
+          <p:cNvSpPr>
+            <a:spLocks noGrp="1"/>
+          </p:cNvSpPr>
+          <p:nvPr>
+            <p:ph sz="quarter" idx="10"/>
+          </p:nvPr>
+        </p:nvSpPr>
+        <p:spPr/>
+        <p:txBody>
+          <a:bodyPr/>
+          <a:lstStyle/>
+          <a:p>
+            <a:r>
+              <a:rPr lang="en-US" dirty="0" smtClean="0"/>
+              <a:t>Consist of tags</a:t>
+            </a:r>
+          </a:p>
+          <a:p>
+            <a:r>
+              <a:rPr lang="en-US" dirty="0" smtClean="0"/>
+              <a:t>Tags are contained in "angle brackets"</a:t>
+            </a:r>
+          </a:p>
+          <a:p>
+            <a:pPr marL="457046" lvl="1" indent="0">
+              <a:buNone/>
+            </a:pPr>
+            <a:r>
+              <a:rPr lang="en-US" dirty="0" smtClean="0"/>
+              <a:t>	</a:t>
+            </a:r>
+            <a:r>
+              <a:rPr lang="en-US" dirty="0" smtClean="0">
+                <a:latin typeface="Consolas" panose="020B0609020204030204" pitchFamily="49" charset="0"/>
+                <a:cs typeface="Consolas" panose="020B0609020204030204" pitchFamily="49" charset="0"/>
+              </a:rPr>
+              <a:t>&lt;&gt;</a:t>
+            </a:r>
+            <a:endParaRPr lang="en-US" dirty="0">
+              <a:latin typeface="Consolas" panose="020B0609020204030204" pitchFamily="49" charset="0"/>
+              <a:cs typeface="Consolas" panose="020B0609020204030204" pitchFamily="49" charset="0"/>
+            </a:endParaRPr>
+          </a:p>
+          <a:p>
+            <a:r>
+              <a:rPr lang="en-US" dirty="0" smtClean="0"/>
+              <a:t>Typically in open/close pairs</a:t>
+            </a:r>
+          </a:p>
+          <a:p>
+            <a:pPr marL="457046" lvl="1" indent="0">
+              <a:buNone/>
+            </a:pPr>
+            <a:r>
+              <a:rPr lang="en-US" dirty="0">
+                <a:latin typeface="Consolas" panose="020B0609020204030204" pitchFamily="49" charset="0"/>
+                <a:cs typeface="Consolas" panose="020B0609020204030204" pitchFamily="49" charset="0"/>
+              </a:rPr>
+              <a:t>	&lt;body&gt;</a:t>
+            </a:r>
+          </a:p>
+          <a:p>
+            <a:pPr marL="457046" lvl="1" indent="0">
+              <a:buNone/>
+            </a:pPr>
+            <a:r>
+              <a:rPr lang="en-US" dirty="0">
+                <a:latin typeface="Consolas" panose="020B0609020204030204" pitchFamily="49" charset="0"/>
+                <a:cs typeface="Consolas" panose="020B0609020204030204" pitchFamily="49" charset="0"/>
+              </a:rPr>
+              <a:t>	&lt;/body</a:t>
+            </a:r>
+            <a:r>
+              <a:rPr lang="en-US" dirty="0" smtClean="0">
+                <a:latin typeface="Consolas" panose="020B0609020204030204" pitchFamily="49" charset="0"/>
+                <a:cs typeface="Consolas" panose="020B0609020204030204" pitchFamily="49" charset="0"/>
+              </a:rPr>
+              <a:t>&gt;</a:t>
+            </a:r>
+          </a:p>
+          <a:p>
+            <a:r>
+              <a:rPr lang="en-US" dirty="0" smtClean="0"/>
+              <a:t>Technically case insensitive</a:t>
+            </a:r>
+          </a:p>
+          <a:p>
+            <a:pPr lvl="1"/>
+            <a:r>
+              <a:rPr lang="en-US" dirty="0" smtClean="0"/>
+              <a:t>Convention is to use lower case letters</a:t>
+            </a:r>
+          </a:p>
+        </p:txBody>
+      </p:sp>
+    </p:spTree>
+    <p:extLst>
+      <p:ext uri="{BB962C8B-B14F-4D97-AF65-F5344CB8AC3E}">
+        <p14:creationId xmlns:p14="http://schemas.microsoft.com/office/powerpoint/2010/main" val="2296518737"/>
+      </p:ext>
+    </p:extLst>
+  </p:cSld>
+  <p:clrMapOvr>
+    <a:masterClrMapping/>
+  </p:clrMapOvr>
+  <p:timing>
+    <p:tnLst>
+      <p:par>
+        <p:cTn id="1" dur="indefinite" restart="never" nodeType="tmRoot"/>
+      </p:par>
+    </p:tnLst>
+  </p:timing>
+</p:sld>
+</file>
+
+<file path=ppt/slides/slide28.xml><?xml version="1.0" encoding="utf-8"?>
+<p:sld xmlns:a="http://schemas.openxmlformats.org/drawingml/2006/main" xmlns:r="http://schemas.openxmlformats.org/officeDocument/2006/relationships" xmlns:p="http://schemas.openxmlformats.org/presentationml/2006/main">
+  <p:cSld>
+    <p:spTree>
+      <p:nvGrpSpPr>
+        <p:cNvPr id="1" name=""/>
+        <p:cNvGrpSpPr/>
+        <p:nvPr/>
+      </p:nvGrpSpPr>
+      <p:grpSpPr>
+        <a:xfrm>
+          <a:off x="0" y="0"/>
+          <a:ext cx="0" cy="0"/>
+          <a:chOff x="0" y="0"/>
+          <a:chExt cx="0" cy="0"/>
+        </a:xfrm>
+      </p:grpSpPr>
+      <p:sp>
+        <p:nvSpPr>
+          <p:cNvPr id="2" name="Title 1"/>
+          <p:cNvSpPr>
+            <a:spLocks noGrp="1"/>
+          </p:cNvSpPr>
+          <p:nvPr>
+            <p:ph type="title"/>
+          </p:nvPr>
+        </p:nvSpPr>
+        <p:spPr/>
+        <p:txBody>
+          <a:bodyPr/>
+          <a:lstStyle/>
+          <a:p>
+            <a:r>
+              <a:rPr lang="en-US" dirty="0" smtClean="0"/>
+              <a:t>Closing tags</a:t>
+            </a:r>
+            <a:endParaRPr lang="en-US" dirty="0"/>
+          </a:p>
+        </p:txBody>
+      </p:sp>
+      <p:sp>
+        <p:nvSpPr>
+          <p:cNvPr id="3" name="Content Placeholder 2"/>
+          <p:cNvSpPr>
+            <a:spLocks noGrp="1"/>
+          </p:cNvSpPr>
+          <p:nvPr>
+            <p:ph sz="quarter" idx="10"/>
+          </p:nvPr>
+        </p:nvSpPr>
+        <p:spPr/>
+        <p:txBody>
+          <a:bodyPr/>
+          <a:lstStyle/>
+          <a:p>
+            <a:r>
+              <a:rPr lang="en-US" dirty="0" smtClean="0"/>
+              <a:t>Browsers will always make a "best effort" at rendering pages</a:t>
+            </a:r>
+          </a:p>
+          <a:p>
+            <a:pPr lvl="1"/>
+            <a:r>
+              <a:rPr lang="en-US" dirty="0" smtClean="0"/>
+              <a:t>HTML doesn't need to be perfect</a:t>
+            </a:r>
+          </a:p>
+          <a:p>
+            <a:pPr lvl="1"/>
+            <a:r>
+              <a:rPr lang="en-US" dirty="0" smtClean="0"/>
+              <a:t>Try to make it as clean as possible</a:t>
+            </a:r>
+          </a:p>
+          <a:p>
+            <a:pPr lvl="2"/>
+            <a:r>
+              <a:rPr lang="en-US" dirty="0" smtClean="0"/>
+              <a:t>Aids the browser</a:t>
+            </a:r>
+          </a:p>
+          <a:p>
+            <a:pPr lvl="2"/>
+            <a:r>
+              <a:rPr lang="en-US" dirty="0" smtClean="0"/>
+              <a:t>Aids the developer</a:t>
+            </a:r>
+          </a:p>
+          <a:p>
+            <a:r>
+              <a:rPr lang="en-US" dirty="0" smtClean="0"/>
+              <a:t>Tags with nothing between the open and close can be left open</a:t>
+            </a:r>
+          </a:p>
+          <a:p>
+            <a:pPr lvl="1"/>
+            <a:r>
+              <a:rPr lang="en-US" dirty="0" smtClean="0"/>
+              <a:t>However, best practice is to close them</a:t>
+            </a:r>
+          </a:p>
+          <a:p>
+            <a:pPr lvl="1"/>
+            <a:r>
+              <a:rPr lang="en-US" dirty="0" smtClean="0"/>
+              <a:t>Shortcut</a:t>
+            </a:r>
+          </a:p>
+          <a:p>
+            <a:pPr marL="457046" lvl="1" indent="0">
+              <a:buNone/>
+            </a:pPr>
+            <a:r>
+              <a:rPr lang="en-US" dirty="0">
+                <a:latin typeface="Consolas" panose="020B0609020204030204" pitchFamily="49" charset="0"/>
+                <a:cs typeface="Consolas" panose="020B0609020204030204" pitchFamily="49" charset="0"/>
+              </a:rPr>
+              <a:t>	</a:t>
+            </a:r>
+            <a:r>
+              <a:rPr lang="en-US" dirty="0" smtClean="0">
+                <a:latin typeface="Consolas" panose="020B0609020204030204" pitchFamily="49" charset="0"/>
+                <a:cs typeface="Consolas" panose="020B0609020204030204" pitchFamily="49" charset="0"/>
+              </a:rPr>
+              <a:t>&lt;</a:t>
+            </a:r>
+            <a:r>
+              <a:rPr lang="en-US" dirty="0" err="1" smtClean="0">
+                <a:latin typeface="Consolas" panose="020B0609020204030204" pitchFamily="49" charset="0"/>
+                <a:cs typeface="Consolas" panose="020B0609020204030204" pitchFamily="49" charset="0"/>
+              </a:rPr>
+              <a:t>br</a:t>
+            </a:r>
+            <a:r>
+              <a:rPr lang="en-US" dirty="0" smtClean="0">
+                <a:latin typeface="Consolas" panose="020B0609020204030204" pitchFamily="49" charset="0"/>
+                <a:cs typeface="Consolas" panose="020B0609020204030204" pitchFamily="49" charset="0"/>
+              </a:rPr>
+              <a:t> /&gt;</a:t>
+            </a:r>
+            <a:endParaRPr lang="en-US" dirty="0">
+              <a:latin typeface="Consolas" panose="020B0609020204030204" pitchFamily="49" charset="0"/>
+              <a:cs typeface="Consolas" panose="020B0609020204030204" pitchFamily="49" charset="0"/>
+            </a:endParaRPr>
+          </a:p>
+        </p:txBody>
+      </p:sp>
+    </p:spTree>
+    <p:extLst>
+      <p:ext uri="{BB962C8B-B14F-4D97-AF65-F5344CB8AC3E}">
+        <p14:creationId xmlns:p14="http://schemas.microsoft.com/office/powerpoint/2010/main" val="4129680707"/>
+      </p:ext>
+    </p:extLst>
+  </p:cSld>
+  <p:clrMapOvr>
+    <a:masterClrMapping/>
+  </p:clrMapOvr>
+  <p:timing>
+    <p:tnLst>
+      <p:par>
+        <p:cTn id="1" dur="indefinite" restart="never" nodeType="tmRoot"/>
+      </p:par>
+    </p:tnLst>
+  </p:timing>
+</p:sld>
+</file>
+
+<file path=ppt/slides/slide29.xml><?xml version="1.0" encoding="utf-8"?>
+<p:sld xmlns:a="http://schemas.openxmlformats.org/drawingml/2006/main" xmlns:r="http://schemas.openxmlformats.org/officeDocument/2006/relationships" xmlns:p="http://schemas.openxmlformats.org/presentationml/2006/main">
+  <p:cSld>
+    <p:bg>
+      <p:bgPr>
+        <a:solidFill>
+          <a:schemeClr val="accent1">
+            <a:lumMod val="75000"/>
+          </a:schemeClr>
+        </a:solidFill>
+        <a:effectLst/>
+      </p:bgPr>
+    </p:bg>
+    <p:spTree>
+      <p:nvGrpSpPr>
+        <p:cNvPr id="1" name=""/>
+        <p:cNvGrpSpPr/>
+        <p:nvPr/>
+      </p:nvGrpSpPr>
+      <p:grpSpPr>
+        <a:xfrm>
+          <a:off x="0" y="0"/>
+          <a:ext cx="0" cy="0"/>
+          <a:chOff x="0" y="0"/>
+          <a:chExt cx="0" cy="0"/>
+        </a:xfrm>
+      </p:grpSpPr>
+      <p:sp>
+        <p:nvSpPr>
+          <p:cNvPr id="2" name="Title 1"/>
+          <p:cNvSpPr>
+            <a:spLocks noGrp="1"/>
+          </p:cNvSpPr>
+          <p:nvPr>
+            <p:ph type="title" idx="4294967295"/>
+          </p:nvPr>
+        </p:nvSpPr>
+        <p:spPr>
+          <a:xfrm>
+            <a:off x="4494416" y="716919"/>
+            <a:ext cx="3203168" cy="575318"/>
+          </a:xfrm>
+        </p:spPr>
+        <p:txBody>
+          <a:bodyPr>
+            <a:normAutofit fontScale="90000"/>
+          </a:bodyPr>
+          <a:lstStyle/>
+          <a:p>
+            <a:r>
+              <a:rPr lang="en-US" dirty="0" smtClean="0">
+                <a:solidFill>
+                  <a:schemeClr val="bg1"/>
+                </a:solidFill>
+              </a:rPr>
+              <a:t>Element types</a:t>
+            </a:r>
+            <a:endParaRPr lang="en-US" dirty="0">
+              <a:solidFill>
+                <a:schemeClr val="bg1"/>
+              </a:solidFill>
+            </a:endParaRPr>
+          </a:p>
+        </p:txBody>
+      </p:sp>
+      <p:sp>
+        <p:nvSpPr>
+          <p:cNvPr id="5" name="TextBox 4"/>
+          <p:cNvSpPr txBox="1"/>
+          <p:nvPr/>
+        </p:nvSpPr>
+        <p:spPr>
+          <a:xfrm>
+            <a:off x="1078814" y="2141456"/>
+            <a:ext cx="2898486" cy="3416320"/>
+          </a:xfrm>
+          <a:prstGeom prst="rect">
+            <a:avLst/>
+          </a:prstGeom>
+          <a:noFill/>
+        </p:spPr>
+        <p:txBody>
+          <a:bodyPr wrap="none" rtlCol="0">
+            <a:spAutoFit/>
+          </a:bodyPr>
+          <a:lstStyle/>
+          <a:p>
+            <a:r>
+              <a:rPr lang="en-US" sz="2400" dirty="0" smtClean="0">
+                <a:solidFill>
+                  <a:prstClr val="white"/>
+                </a:solidFill>
+              </a:rPr>
+              <a:t>Semantic:</a:t>
+            </a:r>
+          </a:p>
+          <a:p>
+            <a:endParaRPr lang="en-US" sz="2400" dirty="0">
+              <a:solidFill>
+                <a:prstClr val="white"/>
+              </a:solidFill>
+            </a:endParaRPr>
+          </a:p>
+          <a:p>
+            <a:r>
+              <a:rPr lang="en-US" sz="2400" dirty="0" smtClean="0">
+                <a:solidFill>
+                  <a:prstClr val="white"/>
+                </a:solidFill>
+              </a:rPr>
+              <a:t>Used to describe data</a:t>
+            </a:r>
+          </a:p>
+          <a:p>
+            <a:r>
+              <a:rPr lang="en-US" sz="2400" dirty="0">
+                <a:solidFill>
+                  <a:prstClr val="white"/>
+                </a:solidFill>
+              </a:rPr>
+              <a:t>New </a:t>
+            </a:r>
+            <a:r>
+              <a:rPr lang="en-US" sz="2400" dirty="0" smtClean="0">
+                <a:solidFill>
+                  <a:prstClr val="white"/>
+                </a:solidFill>
+              </a:rPr>
+              <a:t>with </a:t>
+            </a:r>
+            <a:r>
+              <a:rPr lang="en-US" sz="2400" dirty="0">
+                <a:solidFill>
+                  <a:prstClr val="white"/>
+                </a:solidFill>
+              </a:rPr>
+              <a:t>HTML5</a:t>
+            </a:r>
+          </a:p>
+          <a:p>
+            <a:endParaRPr lang="en-US" sz="2400" dirty="0">
+              <a:solidFill>
+                <a:prstClr val="white"/>
+              </a:solidFill>
+            </a:endParaRPr>
+          </a:p>
+          <a:p>
+            <a:r>
+              <a:rPr lang="en-US" sz="2400" dirty="0" smtClean="0">
+                <a:solidFill>
+                  <a:prstClr val="white"/>
+                </a:solidFill>
+              </a:rPr>
+              <a:t>Examples:</a:t>
+            </a:r>
+          </a:p>
+          <a:p>
+            <a:pPr marL="342900" indent="-342900">
+              <a:buFont typeface="Arial" panose="020B0604020202020204" pitchFamily="34" charset="0"/>
+              <a:buChar char="•"/>
+            </a:pPr>
+            <a:r>
+              <a:rPr lang="en-US" sz="2400" dirty="0" smtClean="0">
+                <a:solidFill>
+                  <a:prstClr val="white"/>
+                </a:solidFill>
+                <a:latin typeface="Consolas" panose="020B0609020204030204" pitchFamily="49" charset="0"/>
+                <a:cs typeface="Consolas" panose="020B0609020204030204" pitchFamily="49" charset="0"/>
+              </a:rPr>
+              <a:t>header</a:t>
+            </a:r>
+          </a:p>
+          <a:p>
+            <a:pPr marL="342900" indent="-342900">
+              <a:buFont typeface="Arial" panose="020B0604020202020204" pitchFamily="34" charset="0"/>
+              <a:buChar char="•"/>
+            </a:pPr>
+            <a:r>
+              <a:rPr lang="en-US" sz="2400" dirty="0" smtClean="0">
+                <a:solidFill>
+                  <a:prstClr val="white"/>
+                </a:solidFill>
+                <a:latin typeface="Consolas" panose="020B0609020204030204" pitchFamily="49" charset="0"/>
+                <a:cs typeface="Consolas" panose="020B0609020204030204" pitchFamily="49" charset="0"/>
+              </a:rPr>
+              <a:t>footer</a:t>
+            </a:r>
+          </a:p>
+          <a:p>
+            <a:pPr marL="342900" indent="-342900">
+              <a:buFont typeface="Arial" panose="020B0604020202020204" pitchFamily="34" charset="0"/>
+              <a:buChar char="•"/>
+            </a:pPr>
+            <a:r>
+              <a:rPr lang="en-US" sz="2400" dirty="0" err="1" smtClean="0">
+                <a:solidFill>
+                  <a:prstClr val="white"/>
+                </a:solidFill>
+                <a:latin typeface="Consolas" panose="020B0609020204030204" pitchFamily="49" charset="0"/>
+                <a:cs typeface="Consolas" panose="020B0609020204030204" pitchFamily="49" charset="0"/>
+              </a:rPr>
+              <a:t>nav</a:t>
+            </a:r>
+            <a:endParaRPr lang="en-US" sz="2400" dirty="0">
+              <a:solidFill>
+                <a:prstClr val="white"/>
+              </a:solidFill>
+              <a:latin typeface="Consolas" panose="020B0609020204030204" pitchFamily="49" charset="0"/>
+              <a:cs typeface="Consolas" panose="020B0609020204030204" pitchFamily="49" charset="0"/>
+            </a:endParaRPr>
+          </a:p>
+        </p:txBody>
+      </p:sp>
+      <p:sp>
+        <p:nvSpPr>
+          <p:cNvPr id="6" name="TextBox 5"/>
+          <p:cNvSpPr txBox="1"/>
+          <p:nvPr/>
+        </p:nvSpPr>
+        <p:spPr>
+          <a:xfrm>
+            <a:off x="4646757" y="2141456"/>
+            <a:ext cx="2665217" cy="3416320"/>
+          </a:xfrm>
+          <a:prstGeom prst="rect">
+            <a:avLst/>
+          </a:prstGeom>
+          <a:noFill/>
+        </p:spPr>
+        <p:txBody>
+          <a:bodyPr wrap="none" rtlCol="0">
+            <a:spAutoFit/>
+          </a:bodyPr>
+          <a:lstStyle/>
+          <a:p>
+            <a:r>
+              <a:rPr lang="en-US" sz="2400" dirty="0" smtClean="0">
+                <a:solidFill>
+                  <a:prstClr val="white"/>
+                </a:solidFill>
+              </a:rPr>
+              <a:t>Controls:</a:t>
+            </a:r>
+          </a:p>
+          <a:p>
+            <a:endParaRPr lang="en-US" sz="2400" dirty="0">
+              <a:solidFill>
+                <a:prstClr val="white"/>
+              </a:solidFill>
+            </a:endParaRPr>
+          </a:p>
+          <a:p>
+            <a:r>
+              <a:rPr lang="en-US" sz="2400" dirty="0" smtClean="0">
+                <a:solidFill>
+                  <a:prstClr val="white"/>
+                </a:solidFill>
+              </a:rPr>
+              <a:t>Add items to a page</a:t>
+            </a:r>
+          </a:p>
+          <a:p>
+            <a:r>
+              <a:rPr lang="en-US" sz="2400" dirty="0" smtClean="0">
+                <a:solidFill>
+                  <a:prstClr val="white"/>
+                </a:solidFill>
+              </a:rPr>
+              <a:t>Commonly forms</a:t>
+            </a:r>
+          </a:p>
+          <a:p>
+            <a:endParaRPr lang="en-US" sz="2400" dirty="0">
+              <a:solidFill>
+                <a:prstClr val="white"/>
+              </a:solidFill>
+            </a:endParaRPr>
+          </a:p>
+          <a:p>
+            <a:r>
+              <a:rPr lang="en-US" sz="2400" dirty="0" smtClean="0">
+                <a:solidFill>
+                  <a:prstClr val="white"/>
+                </a:solidFill>
+              </a:rPr>
+              <a:t>Examples:</a:t>
+            </a:r>
+          </a:p>
+          <a:p>
+            <a:pPr marL="342900" indent="-342900">
+              <a:buFont typeface="Arial" panose="020B0604020202020204" pitchFamily="34" charset="0"/>
+              <a:buChar char="•"/>
+            </a:pPr>
+            <a:r>
+              <a:rPr lang="en-US" sz="2400" dirty="0" smtClean="0">
+                <a:solidFill>
+                  <a:prstClr val="white"/>
+                </a:solidFill>
+                <a:latin typeface="Consolas" panose="020B0609020204030204" pitchFamily="49" charset="0"/>
+                <a:cs typeface="Consolas" panose="020B0609020204030204" pitchFamily="49" charset="0"/>
+              </a:rPr>
+              <a:t>button</a:t>
+            </a:r>
+          </a:p>
+          <a:p>
+            <a:pPr marL="342900" indent="-342900">
+              <a:buFont typeface="Arial" panose="020B0604020202020204" pitchFamily="34" charset="0"/>
+              <a:buChar char="•"/>
+            </a:pPr>
+            <a:r>
+              <a:rPr lang="en-US" sz="2400" dirty="0" smtClean="0">
+                <a:solidFill>
+                  <a:prstClr val="white"/>
+                </a:solidFill>
+                <a:latin typeface="Consolas" panose="020B0609020204030204" pitchFamily="49" charset="0"/>
+                <a:cs typeface="Consolas" panose="020B0609020204030204" pitchFamily="49" charset="0"/>
+              </a:rPr>
+              <a:t>a</a:t>
+            </a:r>
+          </a:p>
+          <a:p>
+            <a:pPr marL="342900" indent="-342900">
+              <a:buFont typeface="Arial" panose="020B0604020202020204" pitchFamily="34" charset="0"/>
+              <a:buChar char="•"/>
+            </a:pPr>
+            <a:r>
+              <a:rPr lang="en-US" sz="2400" dirty="0" smtClean="0">
+                <a:solidFill>
+                  <a:prstClr val="white"/>
+                </a:solidFill>
+                <a:latin typeface="Consolas" panose="020B0609020204030204" pitchFamily="49" charset="0"/>
+                <a:cs typeface="Consolas" panose="020B0609020204030204" pitchFamily="49" charset="0"/>
+              </a:rPr>
+              <a:t>input</a:t>
+            </a:r>
+            <a:endParaRPr lang="en-US" sz="2400" dirty="0">
+              <a:solidFill>
+                <a:prstClr val="white"/>
+              </a:solidFill>
+              <a:latin typeface="Consolas" panose="020B0609020204030204" pitchFamily="49" charset="0"/>
+              <a:cs typeface="Consolas" panose="020B0609020204030204" pitchFamily="49" charset="0"/>
+            </a:endParaRPr>
+          </a:p>
+        </p:txBody>
+      </p:sp>
+      <p:sp>
+        <p:nvSpPr>
+          <p:cNvPr id="7" name="TextBox 6"/>
+          <p:cNvSpPr txBox="1"/>
+          <p:nvPr/>
+        </p:nvSpPr>
+        <p:spPr>
+          <a:xfrm>
+            <a:off x="8214700" y="2141456"/>
+            <a:ext cx="3174331" cy="3416320"/>
+          </a:xfrm>
+          <a:prstGeom prst="rect">
+            <a:avLst/>
+          </a:prstGeom>
+          <a:noFill/>
+        </p:spPr>
+        <p:txBody>
+          <a:bodyPr wrap="none" rtlCol="0">
+            <a:spAutoFit/>
+          </a:bodyPr>
+          <a:lstStyle/>
+          <a:p>
+            <a:r>
+              <a:rPr lang="en-US" sz="2400" dirty="0" smtClean="0">
+                <a:solidFill>
+                  <a:prstClr val="white"/>
+                </a:solidFill>
+              </a:rPr>
+              <a:t>Display:</a:t>
+            </a:r>
+          </a:p>
+          <a:p>
+            <a:endParaRPr lang="en-US" sz="2400" dirty="0">
+              <a:solidFill>
+                <a:prstClr val="white"/>
+              </a:solidFill>
+            </a:endParaRPr>
+          </a:p>
+          <a:p>
+            <a:r>
+              <a:rPr lang="en-US" sz="2400" dirty="0" smtClean="0">
+                <a:solidFill>
+                  <a:prstClr val="white"/>
+                </a:solidFill>
+              </a:rPr>
+              <a:t>Only determines format</a:t>
+            </a:r>
+          </a:p>
+          <a:p>
+            <a:r>
+              <a:rPr lang="en-US" sz="2400" dirty="0" smtClean="0">
+                <a:solidFill>
+                  <a:prstClr val="white"/>
+                </a:solidFill>
+              </a:rPr>
+              <a:t>Generally avoid</a:t>
+            </a:r>
+          </a:p>
+          <a:p>
+            <a:endParaRPr lang="en-US" sz="2400" dirty="0">
+              <a:solidFill>
+                <a:prstClr val="white"/>
+              </a:solidFill>
+            </a:endParaRPr>
+          </a:p>
+          <a:p>
+            <a:r>
+              <a:rPr lang="en-US" sz="2400" dirty="0" smtClean="0">
+                <a:solidFill>
+                  <a:prstClr val="white"/>
+                </a:solidFill>
+              </a:rPr>
+              <a:t>Examples:</a:t>
+            </a:r>
+          </a:p>
+          <a:p>
+            <a:pPr marL="342900" indent="-342900">
+              <a:buFont typeface="Arial" panose="020B0604020202020204" pitchFamily="34" charset="0"/>
+              <a:buChar char="•"/>
+            </a:pPr>
+            <a:r>
+              <a:rPr lang="en-US" sz="2400" dirty="0" smtClean="0">
+                <a:solidFill>
+                  <a:prstClr val="white"/>
+                </a:solidFill>
+                <a:latin typeface="Consolas" panose="020B0609020204030204" pitchFamily="49" charset="0"/>
+                <a:cs typeface="Consolas" panose="020B0609020204030204" pitchFamily="49" charset="0"/>
+              </a:rPr>
+              <a:t>b</a:t>
+            </a:r>
+          </a:p>
+          <a:p>
+            <a:pPr marL="342900" indent="-342900">
+              <a:buFont typeface="Arial" panose="020B0604020202020204" pitchFamily="34" charset="0"/>
+              <a:buChar char="•"/>
+            </a:pPr>
+            <a:r>
+              <a:rPr lang="en-US" sz="2400" dirty="0" err="1" smtClean="0">
+                <a:solidFill>
+                  <a:prstClr val="white"/>
+                </a:solidFill>
+                <a:latin typeface="Consolas" panose="020B0609020204030204" pitchFamily="49" charset="0"/>
+                <a:cs typeface="Consolas" panose="020B0609020204030204" pitchFamily="49" charset="0"/>
+              </a:rPr>
+              <a:t>em</a:t>
+            </a:r>
+            <a:endParaRPr lang="en-US" sz="2400" dirty="0" smtClean="0">
+              <a:solidFill>
+                <a:prstClr val="white"/>
+              </a:solidFill>
+              <a:latin typeface="Consolas" panose="020B0609020204030204" pitchFamily="49" charset="0"/>
+              <a:cs typeface="Consolas" panose="020B0609020204030204" pitchFamily="49" charset="0"/>
+            </a:endParaRPr>
+          </a:p>
+          <a:p>
+            <a:pPr marL="342900" indent="-342900">
+              <a:buFont typeface="Arial" panose="020B0604020202020204" pitchFamily="34" charset="0"/>
+              <a:buChar char="•"/>
+            </a:pPr>
+            <a:r>
+              <a:rPr lang="en-US" sz="2400" dirty="0" smtClean="0">
+                <a:solidFill>
+                  <a:prstClr val="white"/>
+                </a:solidFill>
+                <a:latin typeface="Consolas" panose="020B0609020204030204" pitchFamily="49" charset="0"/>
+                <a:cs typeface="Consolas" panose="020B0609020204030204" pitchFamily="49" charset="0"/>
+              </a:rPr>
+              <a:t>strong</a:t>
+            </a:r>
+            <a:endParaRPr lang="en-US" sz="2400" dirty="0">
+              <a:solidFill>
+                <a:prstClr val="white"/>
+              </a:solidFill>
+              <a:latin typeface="Consolas" panose="020B0609020204030204" pitchFamily="49" charset="0"/>
+              <a:cs typeface="Consolas" panose="020B0609020204030204" pitchFamily="49" charset="0"/>
+            </a:endParaRPr>
+          </a:p>
+        </p:txBody>
+      </p:sp>
+    </p:spTree>
+    <p:extLst>
+      <p:ext uri="{BB962C8B-B14F-4D97-AF65-F5344CB8AC3E}">
+        <p14:creationId xmlns:p14="http://schemas.microsoft.com/office/powerpoint/2010/main" val="3046470264"/>
+      </p:ext>
+    </p:extLst>
+  </p:cSld>
+  <p:clrMapOvr>
+    <a:masterClrMapping/>
+  </p:clrMapOvr>
+  <p:timing>
+    <p:tnLst>
+      <p:par>
+        <p:cTn id="1" dur="indefinite" restart="never" nodeType="tmRoot">
+          <p:childTnLst>
+            <p:seq concurrent="1" nextAc="seek">
+              <p:cTn id="2" dur="indefinite" nodeType="mainSeq">
+                <p:childTnLst>
+                  <p:par>
+                    <p:cTn id="3" fill="hold">
+                      <p:stCondLst>
+                        <p:cond delay="indefinite"/>
+                      </p:stCondLst>
+                      <p:childTnLst>
+                        <p:par>
+                          <p:cTn id="4" fill="hold">
+                            <p:stCondLst>
+                              <p:cond delay="0"/>
+                            </p:stCondLst>
+                            <p:childTnLst>
+                              <p:par>
+                                <p:cTn id="5" presetID="10" presetClass="entr" presetSubtype="0" fill="hold" grpId="0" nodeType="clickEffect">
+                                  <p:stCondLst>
+                                    <p:cond delay="0"/>
+                                  </p:stCondLst>
+                                  <p:childTnLst>
+                                    <p:set>
+                                      <p:cBhvr>
+                                        <p:cTn id="6" dur="1" fill="hold">
+                                          <p:stCondLst>
+                                            <p:cond delay="0"/>
+                                          </p:stCondLst>
+                                        </p:cTn>
+                                        <p:tgtEl>
+                                          <p:spTgt spid="5"/>
+                                        </p:tgtEl>
+                                        <p:attrNameLst>
+                                          <p:attrName>style.visibility</p:attrName>
+                                        </p:attrNameLst>
+                                      </p:cBhvr>
+                                      <p:to>
+                                        <p:strVal val="visible"/>
+                                      </p:to>
+                                    </p:set>
+                                    <p:animEffect transition="in" filter="fade">
+                                      <p:cBhvr>
+                                        <p:cTn id="7" dur="500"/>
+                                        <p:tgtEl>
+                                          <p:spTgt spid="5"/>
+                                        </p:tgtEl>
+                                      </p:cBhvr>
+                                    </p:animEffect>
+                                  </p:childTnLst>
+                                </p:cTn>
+                              </p:par>
+                            </p:childTnLst>
+                          </p:cTn>
+                        </p:par>
+                      </p:childTnLst>
+                    </p:cTn>
+                  </p:par>
+                  <p:par>
+                    <p:cTn id="8" fill="hold">
+                      <p:stCondLst>
+                        <p:cond delay="indefinite"/>
+                      </p:stCondLst>
+                      <p:childTnLst>
+                        <p:par>
+                          <p:cTn id="9" fill="hold">
+                            <p:stCondLst>
+                              <p:cond delay="0"/>
+                            </p:stCondLst>
+                            <p:childTnLst>
+                              <p:par>
+                                <p:cTn id="10" presetID="10" presetClass="entr" presetSubtype="0" fill="hold" grpId="0" nodeType="clickEffect">
+                                  <p:stCondLst>
+                                    <p:cond delay="0"/>
+                                  </p:stCondLst>
+                                  <p:childTnLst>
+                                    <p:set>
+                                      <p:cBhvr>
+                                        <p:cTn id="11" dur="1" fill="hold">
+                                          <p:stCondLst>
+                                            <p:cond delay="0"/>
+                                          </p:stCondLst>
+                                        </p:cTn>
+                                        <p:tgtEl>
+                                          <p:spTgt spid="6"/>
+                                        </p:tgtEl>
+                                        <p:attrNameLst>
+                                          <p:attrName>style.visibility</p:attrName>
+                                        </p:attrNameLst>
+                                      </p:cBhvr>
+                                      <p:to>
+                                        <p:strVal val="visible"/>
+                                      </p:to>
+                                    </p:set>
+                                    <p:animEffect transition="in" filter="fade">
+                                      <p:cBhvr>
+                                        <p:cTn id="12" dur="500"/>
+                                        <p:tgtEl>
+                                          <p:spTgt spid="6"/>
+                                        </p:tgtEl>
+                                      </p:cBhvr>
+                                    </p:animEffect>
+                                  </p:childTnLst>
+                                </p:cTn>
+                              </p:par>
+                            </p:childTnLst>
+                          </p:cTn>
+                        </p:par>
+                      </p:childTnLst>
+                    </p:cTn>
+                  </p:par>
+                  <p:par>
+                    <p:cTn id="13" fill="hold">
+                      <p:stCondLst>
+                        <p:cond delay="indefinite"/>
+                      </p:stCondLst>
+                      <p:childTnLst>
+                        <p:par>
+                          <p:cTn id="14" fill="hold">
+                            <p:stCondLst>
+                              <p:cond delay="0"/>
+                            </p:stCondLst>
+                            <p:childTnLst>
+                              <p:par>
+                                <p:cTn id="15" presetID="10" presetClass="entr" presetSubtype="0" fill="hold" grpId="0" nodeType="clickEffect">
+                                  <p:stCondLst>
+                                    <p:cond delay="0"/>
+                                  </p:stCondLst>
+                                  <p:childTnLst>
+                                    <p:set>
+                                      <p:cBhvr>
+                                        <p:cTn id="16" dur="1" fill="hold">
+                                          <p:stCondLst>
+                                            <p:cond delay="0"/>
+                                          </p:stCondLst>
+                                        </p:cTn>
+                                        <p:tgtEl>
+                                          <p:spTgt spid="7"/>
+                                        </p:tgtEl>
+                                        <p:attrNameLst>
+                                          <p:attrName>style.visibility</p:attrName>
+                                        </p:attrNameLst>
+                                      </p:cBhvr>
+                                      <p:to>
+                                        <p:strVal val="visible"/>
+                                      </p:to>
+                                    </p:set>
+                                    <p:animEffect transition="in" filter="fade">
+                                      <p:cBhvr>
+                                        <p:cTn id="17" dur="500"/>
+                                        <p:tgtEl>
+                                          <p:spTgt spid="7"/>
+                                        </p:tgtEl>
+                                      </p:cBhvr>
+                                    </p:animEffect>
+                                  </p:childTnLst>
+                                </p:cTn>
+                              </p:par>
+                            </p:childTnLst>
+                          </p:cTn>
+                        </p:par>
+                      </p:childTnLst>
+                    </p:cTn>
+                  </p:par>
+                </p:childTnLst>
+              </p:cTn>
+              <p:prevCondLst>
+                <p:cond evt="onPrev" delay="0">
+                  <p:tgtEl>
+                    <p:sldTgt/>
+                  </p:tgtEl>
+                </p:cond>
+              </p:prevCondLst>
+              <p:nextCondLst>
+                <p:cond evt="onNext" delay="0">
+                  <p:tgtEl>
+                    <p:sldTgt/>
+                  </p:tgtEl>
+                </p:cond>
+              </p:nextCondLst>
+            </p:seq>
+          </p:childTnLst>
+        </p:cTn>
+      </p:par>
+    </p:tnLst>
+    <p:bldLst>
+      <p:bldP spid="5" grpId="0"/>
+      <p:bldP spid="6" grpId="0"/>
+      <p:bldP spid="7" grpId="0"/>
+    </p:bldLst>
   </p:timing>
 </p:sld>
 </file>
@@ -6716,6 +7820,1035 @@
 </p:sld>
 </file>
 
+<file path=ppt/slides/slide30.xml><?xml version="1.0" encoding="utf-8"?>
+<p:sld xmlns:a="http://schemas.openxmlformats.org/drawingml/2006/main" xmlns:r="http://schemas.openxmlformats.org/officeDocument/2006/relationships" xmlns:p="http://schemas.openxmlformats.org/presentationml/2006/main">
+  <p:cSld>
+    <p:spTree>
+      <p:nvGrpSpPr>
+        <p:cNvPr id="1" name=""/>
+        <p:cNvGrpSpPr/>
+        <p:nvPr/>
+      </p:nvGrpSpPr>
+      <p:grpSpPr>
+        <a:xfrm>
+          <a:off x="0" y="0"/>
+          <a:ext cx="0" cy="0"/>
+          <a:chOff x="0" y="0"/>
+          <a:chExt cx="0" cy="0"/>
+        </a:xfrm>
+      </p:grpSpPr>
+      <p:sp>
+        <p:nvSpPr>
+          <p:cNvPr id="2" name="Title 1"/>
+          <p:cNvSpPr>
+            <a:spLocks noGrp="1"/>
+          </p:cNvSpPr>
+          <p:nvPr>
+            <p:ph type="title"/>
+          </p:nvPr>
+        </p:nvSpPr>
+        <p:spPr/>
+        <p:txBody>
+          <a:bodyPr/>
+          <a:lstStyle/>
+          <a:p>
+            <a:r>
+              <a:rPr lang="en-US" dirty="0" smtClean="0"/>
+              <a:t>Standard HTML page</a:t>
+            </a:r>
+            <a:endParaRPr lang="en-US" dirty="0"/>
+          </a:p>
+        </p:txBody>
+      </p:sp>
+      <p:sp>
+        <p:nvSpPr>
+          <p:cNvPr id="5" name="Rounded Rectangle 4"/>
+          <p:cNvSpPr/>
+          <p:nvPr/>
+        </p:nvSpPr>
+        <p:spPr>
+          <a:xfrm>
+            <a:off x="304800" y="914400"/>
+            <a:ext cx="11310551" cy="5865341"/>
+          </a:xfrm>
+          <a:prstGeom prst="roundRect">
+            <a:avLst>
+              <a:gd name="adj" fmla="val 4167"/>
+            </a:avLst>
+          </a:prstGeom>
+        </p:spPr>
+        <p:style>
+          <a:lnRef idx="2">
+            <a:schemeClr val="accent1">
+              <a:shade val="50000"/>
+            </a:schemeClr>
+          </a:lnRef>
+          <a:fillRef idx="1">
+            <a:schemeClr val="accent1"/>
+          </a:fillRef>
+          <a:effectRef idx="0">
+            <a:schemeClr val="accent1"/>
+          </a:effectRef>
+          <a:fontRef idx="minor">
+            <a:schemeClr val="lt1"/>
+          </a:fontRef>
+        </p:style>
+        <p:txBody>
+          <a:bodyPr rtlCol="0" anchor="ctr"/>
+          <a:lstStyle/>
+          <a:p>
+            <a:r>
+              <a:rPr lang="en-US" sz="4000" dirty="0" smtClean="0">
+                <a:latin typeface="Consolas" panose="020B0609020204030204" pitchFamily="49" charset="0"/>
+                <a:cs typeface="Consolas" panose="020B0609020204030204" pitchFamily="49" charset="0"/>
+              </a:rPr>
+              <a:t>&lt;html&gt;</a:t>
+            </a:r>
+          </a:p>
+          <a:p>
+            <a:endParaRPr lang="en-US" sz="4000" dirty="0">
+              <a:latin typeface="Consolas" panose="020B0609020204030204" pitchFamily="49" charset="0"/>
+              <a:cs typeface="Consolas" panose="020B0609020204030204" pitchFamily="49" charset="0"/>
+            </a:endParaRPr>
+          </a:p>
+          <a:p>
+            <a:endParaRPr lang="en-US" sz="4000" dirty="0" smtClean="0">
+              <a:latin typeface="Consolas" panose="020B0609020204030204" pitchFamily="49" charset="0"/>
+              <a:cs typeface="Consolas" panose="020B0609020204030204" pitchFamily="49" charset="0"/>
+            </a:endParaRPr>
+          </a:p>
+          <a:p>
+            <a:endParaRPr lang="en-US" sz="4000" dirty="0">
+              <a:latin typeface="Consolas" panose="020B0609020204030204" pitchFamily="49" charset="0"/>
+              <a:cs typeface="Consolas" panose="020B0609020204030204" pitchFamily="49" charset="0"/>
+            </a:endParaRPr>
+          </a:p>
+          <a:p>
+            <a:endParaRPr lang="en-US" sz="4000" dirty="0" smtClean="0">
+              <a:latin typeface="Consolas" panose="020B0609020204030204" pitchFamily="49" charset="0"/>
+              <a:cs typeface="Consolas" panose="020B0609020204030204" pitchFamily="49" charset="0"/>
+            </a:endParaRPr>
+          </a:p>
+          <a:p>
+            <a:endParaRPr lang="en-US" sz="4000" dirty="0">
+              <a:latin typeface="Consolas" panose="020B0609020204030204" pitchFamily="49" charset="0"/>
+              <a:cs typeface="Consolas" panose="020B0609020204030204" pitchFamily="49" charset="0"/>
+            </a:endParaRPr>
+          </a:p>
+          <a:p>
+            <a:endParaRPr lang="en-US" sz="4000" dirty="0" smtClean="0">
+              <a:latin typeface="Consolas" panose="020B0609020204030204" pitchFamily="49" charset="0"/>
+              <a:cs typeface="Consolas" panose="020B0609020204030204" pitchFamily="49" charset="0"/>
+            </a:endParaRPr>
+          </a:p>
+          <a:p>
+            <a:endParaRPr lang="en-US" sz="4000" dirty="0" smtClean="0">
+              <a:latin typeface="Consolas" panose="020B0609020204030204" pitchFamily="49" charset="0"/>
+              <a:cs typeface="Consolas" panose="020B0609020204030204" pitchFamily="49" charset="0"/>
+            </a:endParaRPr>
+          </a:p>
+          <a:p>
+            <a:r>
+              <a:rPr lang="en-US" sz="4000" dirty="0" smtClean="0">
+                <a:latin typeface="Consolas" panose="020B0609020204030204" pitchFamily="49" charset="0"/>
+                <a:cs typeface="Consolas" panose="020B0609020204030204" pitchFamily="49" charset="0"/>
+              </a:rPr>
+              <a:t>&lt;/html&gt;</a:t>
+            </a:r>
+            <a:endParaRPr lang="en-US" sz="4000" dirty="0">
+              <a:latin typeface="Consolas" panose="020B0609020204030204" pitchFamily="49" charset="0"/>
+              <a:cs typeface="Consolas" panose="020B0609020204030204" pitchFamily="49" charset="0"/>
+            </a:endParaRPr>
+          </a:p>
+        </p:txBody>
+      </p:sp>
+      <p:sp>
+        <p:nvSpPr>
+          <p:cNvPr id="6" name="Rounded Rectangle 5"/>
+          <p:cNvSpPr/>
+          <p:nvPr/>
+        </p:nvSpPr>
+        <p:spPr>
+          <a:xfrm>
+            <a:off x="943232" y="1747229"/>
+            <a:ext cx="10013092" cy="1836232"/>
+          </a:xfrm>
+          <a:prstGeom prst="roundRect">
+            <a:avLst>
+              <a:gd name="adj" fmla="val 4167"/>
+            </a:avLst>
+          </a:prstGeom>
+        </p:spPr>
+        <p:style>
+          <a:lnRef idx="1">
+            <a:schemeClr val="accent3"/>
+          </a:lnRef>
+          <a:fillRef idx="2">
+            <a:schemeClr val="accent3"/>
+          </a:fillRef>
+          <a:effectRef idx="1">
+            <a:schemeClr val="accent3"/>
+          </a:effectRef>
+          <a:fontRef idx="minor">
+            <a:schemeClr val="dk1"/>
+          </a:fontRef>
+        </p:style>
+        <p:txBody>
+          <a:bodyPr rtlCol="0" anchor="ctr"/>
+          <a:lstStyle/>
+          <a:p>
+            <a:r>
+              <a:rPr lang="en-US" sz="4000" dirty="0" smtClean="0">
+                <a:latin typeface="Consolas" panose="020B0609020204030204" pitchFamily="49" charset="0"/>
+                <a:cs typeface="Consolas" panose="020B0609020204030204" pitchFamily="49" charset="0"/>
+              </a:rPr>
+              <a:t>&lt;html&gt;</a:t>
+            </a:r>
+          </a:p>
+          <a:p>
+            <a:r>
+              <a:rPr lang="en-US" sz="4000" dirty="0" smtClean="0">
+                <a:latin typeface="Consolas" panose="020B0609020204030204" pitchFamily="49" charset="0"/>
+                <a:cs typeface="Consolas" panose="020B0609020204030204" pitchFamily="49" charset="0"/>
+              </a:rPr>
+              <a:t>  &lt;title&gt;Hello, Python!&lt;/title&gt;</a:t>
+            </a:r>
+          </a:p>
+          <a:p>
+            <a:r>
+              <a:rPr lang="en-US" sz="4000" dirty="0" smtClean="0">
+                <a:latin typeface="Consolas" panose="020B0609020204030204" pitchFamily="49" charset="0"/>
+                <a:cs typeface="Consolas" panose="020B0609020204030204" pitchFamily="49" charset="0"/>
+              </a:rPr>
+              <a:t>&lt;/html&gt;</a:t>
+            </a:r>
+            <a:endParaRPr lang="en-US" sz="4000" dirty="0">
+              <a:latin typeface="Consolas" panose="020B0609020204030204" pitchFamily="49" charset="0"/>
+              <a:cs typeface="Consolas" panose="020B0609020204030204" pitchFamily="49" charset="0"/>
+            </a:endParaRPr>
+          </a:p>
+        </p:txBody>
+      </p:sp>
+      <p:sp>
+        <p:nvSpPr>
+          <p:cNvPr id="7" name="Rounded Rectangle 6"/>
+          <p:cNvSpPr/>
+          <p:nvPr/>
+        </p:nvSpPr>
+        <p:spPr>
+          <a:xfrm>
+            <a:off x="943232" y="3861618"/>
+            <a:ext cx="10013092" cy="1836232"/>
+          </a:xfrm>
+          <a:prstGeom prst="roundRect">
+            <a:avLst>
+              <a:gd name="adj" fmla="val 4167"/>
+            </a:avLst>
+          </a:prstGeom>
+        </p:spPr>
+        <p:style>
+          <a:lnRef idx="1">
+            <a:schemeClr val="accent4"/>
+          </a:lnRef>
+          <a:fillRef idx="2">
+            <a:schemeClr val="accent4"/>
+          </a:fillRef>
+          <a:effectRef idx="1">
+            <a:schemeClr val="accent4"/>
+          </a:effectRef>
+          <a:fontRef idx="minor">
+            <a:schemeClr val="dk1"/>
+          </a:fontRef>
+        </p:style>
+        <p:txBody>
+          <a:bodyPr rtlCol="0" anchor="ctr"/>
+          <a:lstStyle/>
+          <a:p>
+            <a:r>
+              <a:rPr lang="en-US" sz="4000" dirty="0" smtClean="0">
+                <a:latin typeface="Consolas" panose="020B0609020204030204" pitchFamily="49" charset="0"/>
+                <a:cs typeface="Consolas" panose="020B0609020204030204" pitchFamily="49" charset="0"/>
+              </a:rPr>
+              <a:t>&lt;body&gt;</a:t>
+            </a:r>
+          </a:p>
+          <a:p>
+            <a:r>
+              <a:rPr lang="en-US" sz="4000" dirty="0" smtClean="0">
+                <a:latin typeface="Consolas" panose="020B0609020204030204" pitchFamily="49" charset="0"/>
+                <a:cs typeface="Consolas" panose="020B0609020204030204" pitchFamily="49" charset="0"/>
+              </a:rPr>
+              <a:t>  &lt;div&gt;Hello, HTML!&lt;/div&gt;</a:t>
+            </a:r>
+          </a:p>
+          <a:p>
+            <a:r>
+              <a:rPr lang="en-US" sz="4000" dirty="0" smtClean="0">
+                <a:latin typeface="Consolas" panose="020B0609020204030204" pitchFamily="49" charset="0"/>
+                <a:cs typeface="Consolas" panose="020B0609020204030204" pitchFamily="49" charset="0"/>
+              </a:rPr>
+              <a:t>&lt;/body&gt;</a:t>
+            </a:r>
+            <a:endParaRPr lang="en-US" sz="4000" dirty="0">
+              <a:latin typeface="Consolas" panose="020B0609020204030204" pitchFamily="49" charset="0"/>
+              <a:cs typeface="Consolas" panose="020B0609020204030204" pitchFamily="49" charset="0"/>
+            </a:endParaRPr>
+          </a:p>
+        </p:txBody>
+      </p:sp>
+    </p:spTree>
+    <p:extLst>
+      <p:ext uri="{BB962C8B-B14F-4D97-AF65-F5344CB8AC3E}">
+        <p14:creationId xmlns:p14="http://schemas.microsoft.com/office/powerpoint/2010/main" val="1010636254"/>
+      </p:ext>
+    </p:extLst>
+  </p:cSld>
+  <p:clrMapOvr>
+    <a:masterClrMapping/>
+  </p:clrMapOvr>
+  <p:timing>
+    <p:tnLst>
+      <p:par>
+        <p:cTn id="1" dur="indefinite" restart="never" nodeType="tmRoot">
+          <p:childTnLst>
+            <p:seq concurrent="1" nextAc="seek">
+              <p:cTn id="2" dur="indefinite" nodeType="mainSeq">
+                <p:childTnLst>
+                  <p:par>
+                    <p:cTn id="3" fill="hold">
+                      <p:stCondLst>
+                        <p:cond delay="indefinite"/>
+                      </p:stCondLst>
+                      <p:childTnLst>
+                        <p:par>
+                          <p:cTn id="4" fill="hold">
+                            <p:stCondLst>
+                              <p:cond delay="0"/>
+                            </p:stCondLst>
+                            <p:childTnLst>
+                              <p:par>
+                                <p:cTn id="5" presetID="10" presetClass="entr" presetSubtype="0" fill="hold" grpId="0" nodeType="clickEffect">
+                                  <p:stCondLst>
+                                    <p:cond delay="0"/>
+                                  </p:stCondLst>
+                                  <p:childTnLst>
+                                    <p:set>
+                                      <p:cBhvr>
+                                        <p:cTn id="6" dur="1" fill="hold">
+                                          <p:stCondLst>
+                                            <p:cond delay="0"/>
+                                          </p:stCondLst>
+                                        </p:cTn>
+                                        <p:tgtEl>
+                                          <p:spTgt spid="5"/>
+                                        </p:tgtEl>
+                                        <p:attrNameLst>
+                                          <p:attrName>style.visibility</p:attrName>
+                                        </p:attrNameLst>
+                                      </p:cBhvr>
+                                      <p:to>
+                                        <p:strVal val="visible"/>
+                                      </p:to>
+                                    </p:set>
+                                    <p:animEffect transition="in" filter="fade">
+                                      <p:cBhvr>
+                                        <p:cTn id="7" dur="500"/>
+                                        <p:tgtEl>
+                                          <p:spTgt spid="5"/>
+                                        </p:tgtEl>
+                                      </p:cBhvr>
+                                    </p:animEffect>
+                                  </p:childTnLst>
+                                </p:cTn>
+                              </p:par>
+                            </p:childTnLst>
+                          </p:cTn>
+                        </p:par>
+                      </p:childTnLst>
+                    </p:cTn>
+                  </p:par>
+                  <p:par>
+                    <p:cTn id="8" fill="hold">
+                      <p:stCondLst>
+                        <p:cond delay="indefinite"/>
+                      </p:stCondLst>
+                      <p:childTnLst>
+                        <p:par>
+                          <p:cTn id="9" fill="hold">
+                            <p:stCondLst>
+                              <p:cond delay="0"/>
+                            </p:stCondLst>
+                            <p:childTnLst>
+                              <p:par>
+                                <p:cTn id="10" presetID="10" presetClass="entr" presetSubtype="0" fill="hold" grpId="0" nodeType="clickEffect">
+                                  <p:stCondLst>
+                                    <p:cond delay="0"/>
+                                  </p:stCondLst>
+                                  <p:childTnLst>
+                                    <p:set>
+                                      <p:cBhvr>
+                                        <p:cTn id="11" dur="1" fill="hold">
+                                          <p:stCondLst>
+                                            <p:cond delay="0"/>
+                                          </p:stCondLst>
+                                        </p:cTn>
+                                        <p:tgtEl>
+                                          <p:spTgt spid="6"/>
+                                        </p:tgtEl>
+                                        <p:attrNameLst>
+                                          <p:attrName>style.visibility</p:attrName>
+                                        </p:attrNameLst>
+                                      </p:cBhvr>
+                                      <p:to>
+                                        <p:strVal val="visible"/>
+                                      </p:to>
+                                    </p:set>
+                                    <p:animEffect transition="in" filter="fade">
+                                      <p:cBhvr>
+                                        <p:cTn id="12" dur="500"/>
+                                        <p:tgtEl>
+                                          <p:spTgt spid="6"/>
+                                        </p:tgtEl>
+                                      </p:cBhvr>
+                                    </p:animEffect>
+                                  </p:childTnLst>
+                                </p:cTn>
+                              </p:par>
+                            </p:childTnLst>
+                          </p:cTn>
+                        </p:par>
+                      </p:childTnLst>
+                    </p:cTn>
+                  </p:par>
+                  <p:par>
+                    <p:cTn id="13" fill="hold">
+                      <p:stCondLst>
+                        <p:cond delay="indefinite"/>
+                      </p:stCondLst>
+                      <p:childTnLst>
+                        <p:par>
+                          <p:cTn id="14" fill="hold">
+                            <p:stCondLst>
+                              <p:cond delay="0"/>
+                            </p:stCondLst>
+                            <p:childTnLst>
+                              <p:par>
+                                <p:cTn id="15" presetID="10" presetClass="entr" presetSubtype="0" fill="hold" grpId="0" nodeType="clickEffect">
+                                  <p:stCondLst>
+                                    <p:cond delay="0"/>
+                                  </p:stCondLst>
+                                  <p:childTnLst>
+                                    <p:set>
+                                      <p:cBhvr>
+                                        <p:cTn id="16" dur="1" fill="hold">
+                                          <p:stCondLst>
+                                            <p:cond delay="0"/>
+                                          </p:stCondLst>
+                                        </p:cTn>
+                                        <p:tgtEl>
+                                          <p:spTgt spid="7"/>
+                                        </p:tgtEl>
+                                        <p:attrNameLst>
+                                          <p:attrName>style.visibility</p:attrName>
+                                        </p:attrNameLst>
+                                      </p:cBhvr>
+                                      <p:to>
+                                        <p:strVal val="visible"/>
+                                      </p:to>
+                                    </p:set>
+                                    <p:animEffect transition="in" filter="fade">
+                                      <p:cBhvr>
+                                        <p:cTn id="17" dur="500"/>
+                                        <p:tgtEl>
+                                          <p:spTgt spid="7"/>
+                                        </p:tgtEl>
+                                      </p:cBhvr>
+                                    </p:animEffect>
+                                  </p:childTnLst>
+                                </p:cTn>
+                              </p:par>
+                            </p:childTnLst>
+                          </p:cTn>
+                        </p:par>
+                      </p:childTnLst>
+                    </p:cTn>
+                  </p:par>
+                </p:childTnLst>
+              </p:cTn>
+              <p:prevCondLst>
+                <p:cond evt="onPrev" delay="0">
+                  <p:tgtEl>
+                    <p:sldTgt/>
+                  </p:tgtEl>
+                </p:cond>
+              </p:prevCondLst>
+              <p:nextCondLst>
+                <p:cond evt="onNext" delay="0">
+                  <p:tgtEl>
+                    <p:sldTgt/>
+                  </p:tgtEl>
+                </p:cond>
+              </p:nextCondLst>
+            </p:seq>
+          </p:childTnLst>
+        </p:cTn>
+      </p:par>
+    </p:tnLst>
+    <p:bldLst>
+      <p:bldP spid="5" grpId="0" animBg="1"/>
+      <p:bldP spid="6" grpId="0" animBg="1"/>
+      <p:bldP spid="7" grpId="0" animBg="1"/>
+    </p:bldLst>
+  </p:timing>
+</p:sld>
+</file>
+
+<file path=ppt/slides/slide31.xml><?xml version="1.0" encoding="utf-8"?>
+<p:sld xmlns:a="http://schemas.openxmlformats.org/drawingml/2006/main" xmlns:r="http://schemas.openxmlformats.org/officeDocument/2006/relationships" xmlns:p="http://schemas.openxmlformats.org/presentationml/2006/main">
+  <p:cSld>
+    <p:spTree>
+      <p:nvGrpSpPr>
+        <p:cNvPr id="1" name=""/>
+        <p:cNvGrpSpPr/>
+        <p:nvPr/>
+      </p:nvGrpSpPr>
+      <p:grpSpPr>
+        <a:xfrm>
+          <a:off x="0" y="0"/>
+          <a:ext cx="0" cy="0"/>
+          <a:chOff x="0" y="0"/>
+          <a:chExt cx="0" cy="0"/>
+        </a:xfrm>
+      </p:grpSpPr>
+      <p:sp>
+        <p:nvSpPr>
+          <p:cNvPr id="2" name="Title 1"/>
+          <p:cNvSpPr>
+            <a:spLocks noGrp="1"/>
+          </p:cNvSpPr>
+          <p:nvPr>
+            <p:ph type="title"/>
+          </p:nvPr>
+        </p:nvSpPr>
+        <p:spPr/>
+        <p:txBody>
+          <a:bodyPr/>
+          <a:lstStyle/>
+          <a:p>
+            <a:r>
+              <a:rPr lang="en-US" dirty="0" smtClean="0"/>
+              <a:t>Attributes</a:t>
+            </a:r>
+            <a:endParaRPr lang="en-US" dirty="0"/>
+          </a:p>
+        </p:txBody>
+      </p:sp>
+      <p:sp>
+        <p:nvSpPr>
+          <p:cNvPr id="3" name="Content Placeholder 2"/>
+          <p:cNvSpPr>
+            <a:spLocks noGrp="1"/>
+          </p:cNvSpPr>
+          <p:nvPr>
+            <p:ph sz="quarter" idx="10"/>
+          </p:nvPr>
+        </p:nvSpPr>
+        <p:spPr/>
+        <p:txBody>
+          <a:bodyPr/>
+          <a:lstStyle/>
+          <a:p>
+            <a:r>
+              <a:rPr lang="en-US" dirty="0" smtClean="0"/>
+              <a:t>Used to add additional context to elements</a:t>
+            </a:r>
+          </a:p>
+          <a:p>
+            <a:r>
+              <a:rPr lang="en-US" dirty="0" smtClean="0"/>
+              <a:t>Always placed in the opening tag</a:t>
+            </a:r>
+          </a:p>
+          <a:p>
+            <a:r>
+              <a:rPr lang="en-US" dirty="0" smtClean="0"/>
+              <a:t>Typically key/value pairs</a:t>
+            </a:r>
+          </a:p>
+          <a:p>
+            <a:pPr lvl="1"/>
+            <a:r>
+              <a:rPr lang="en-US" dirty="0" smtClean="0"/>
+              <a:t>Single or double quotes</a:t>
+            </a:r>
+          </a:p>
+          <a:p>
+            <a:pPr marL="0" indent="0">
+              <a:buNone/>
+            </a:pPr>
+            <a:r>
+              <a:rPr lang="en-US" sz="2800" dirty="0">
+                <a:latin typeface="Consolas" panose="020B0609020204030204" pitchFamily="49" charset="0"/>
+                <a:cs typeface="Consolas" panose="020B0609020204030204" pitchFamily="49" charset="0"/>
+              </a:rPr>
+              <a:t>	</a:t>
+            </a:r>
+            <a:r>
+              <a:rPr lang="en-US" sz="2800" dirty="0" smtClean="0">
+                <a:latin typeface="Consolas" panose="020B0609020204030204" pitchFamily="49" charset="0"/>
+                <a:cs typeface="Consolas" panose="020B0609020204030204" pitchFamily="49" charset="0"/>
+              </a:rPr>
+              <a:t>&lt;input type='text' /&gt;</a:t>
+            </a:r>
+          </a:p>
+          <a:p>
+            <a:pPr marL="0" indent="0">
+              <a:buNone/>
+            </a:pPr>
+            <a:r>
+              <a:rPr lang="en-US" sz="2800" dirty="0">
+                <a:latin typeface="Consolas" panose="020B0609020204030204" pitchFamily="49" charset="0"/>
+                <a:cs typeface="Consolas" panose="020B0609020204030204" pitchFamily="49" charset="0"/>
+              </a:rPr>
+              <a:t>	</a:t>
+            </a:r>
+            <a:r>
+              <a:rPr lang="en-US" sz="2800" dirty="0" smtClean="0">
+                <a:latin typeface="Consolas" panose="020B0609020204030204" pitchFamily="49" charset="0"/>
+                <a:cs typeface="Consolas" panose="020B0609020204030204" pitchFamily="49" charset="0"/>
+              </a:rPr>
+              <a:t>&lt;a </a:t>
+            </a:r>
+            <a:r>
+              <a:rPr lang="en-US" sz="2800" dirty="0" err="1" smtClean="0">
+                <a:latin typeface="Consolas" panose="020B0609020204030204" pitchFamily="49" charset="0"/>
+                <a:cs typeface="Consolas" panose="020B0609020204030204" pitchFamily="49" charset="0"/>
+              </a:rPr>
+              <a:t>href</a:t>
+            </a:r>
+            <a:r>
+              <a:rPr lang="en-US" sz="2800" dirty="0" smtClean="0">
+                <a:latin typeface="Consolas" panose="020B0609020204030204" pitchFamily="49" charset="0"/>
+                <a:cs typeface="Consolas" panose="020B0609020204030204" pitchFamily="49" charset="0"/>
+              </a:rPr>
+              <a:t>='http://www.microsoft.com'&gt;Microsoft&lt;/a&gt;</a:t>
+            </a:r>
+            <a:endParaRPr lang="en-US" sz="2800" dirty="0">
+              <a:latin typeface="Consolas" panose="020B0609020204030204" pitchFamily="49" charset="0"/>
+              <a:cs typeface="Consolas" panose="020B0609020204030204" pitchFamily="49" charset="0"/>
+            </a:endParaRPr>
+          </a:p>
+        </p:txBody>
+      </p:sp>
+    </p:spTree>
+    <p:extLst>
+      <p:ext uri="{BB962C8B-B14F-4D97-AF65-F5344CB8AC3E}">
+        <p14:creationId xmlns:p14="http://schemas.microsoft.com/office/powerpoint/2010/main" val="3326974451"/>
+      </p:ext>
+    </p:extLst>
+  </p:cSld>
+  <p:clrMapOvr>
+    <a:masterClrMapping/>
+  </p:clrMapOvr>
+  <p:timing>
+    <p:tnLst>
+      <p:par>
+        <p:cTn id="1" dur="indefinite" restart="never" nodeType="tmRoot"/>
+      </p:par>
+    </p:tnLst>
+  </p:timing>
+</p:sld>
+</file>
+
+<file path=ppt/slides/slide32.xml><?xml version="1.0" encoding="utf-8"?>
+<p:sld xmlns:a="http://schemas.openxmlformats.org/drawingml/2006/main" xmlns:r="http://schemas.openxmlformats.org/officeDocument/2006/relationships" xmlns:p="http://schemas.openxmlformats.org/presentationml/2006/main">
+  <p:cSld>
+    <p:spTree>
+      <p:nvGrpSpPr>
+        <p:cNvPr id="1" name=""/>
+        <p:cNvGrpSpPr/>
+        <p:nvPr/>
+      </p:nvGrpSpPr>
+      <p:grpSpPr>
+        <a:xfrm>
+          <a:off x="0" y="0"/>
+          <a:ext cx="0" cy="0"/>
+          <a:chOff x="0" y="0"/>
+          <a:chExt cx="0" cy="0"/>
+        </a:xfrm>
+      </p:grpSpPr>
+      <p:sp>
+        <p:nvSpPr>
+          <p:cNvPr id="4" name="Title 3"/>
+          <p:cNvSpPr>
+            <a:spLocks noGrp="1"/>
+          </p:cNvSpPr>
+          <p:nvPr>
+            <p:ph type="title"/>
+          </p:nvPr>
+        </p:nvSpPr>
+        <p:spPr/>
+        <p:txBody>
+          <a:bodyPr/>
+          <a:lstStyle/>
+          <a:p>
+            <a:r>
+              <a:rPr lang="en-US" dirty="0" smtClean="0"/>
+              <a:t>HTML Basics</a:t>
+            </a:r>
+            <a:endParaRPr lang="en-US" dirty="0"/>
+          </a:p>
+        </p:txBody>
+      </p:sp>
+    </p:spTree>
+    <p:extLst>
+      <p:ext uri="{BB962C8B-B14F-4D97-AF65-F5344CB8AC3E}">
+        <p14:creationId xmlns:p14="http://schemas.microsoft.com/office/powerpoint/2010/main" val="1466604705"/>
+      </p:ext>
+    </p:extLst>
+  </p:cSld>
+  <p:clrMapOvr>
+    <a:masterClrMapping/>
+  </p:clrMapOvr>
+  <p:timing>
+    <p:tnLst>
+      <p:par>
+        <p:cTn id="1" dur="indefinite" restart="never" nodeType="tmRoot"/>
+      </p:par>
+    </p:tnLst>
+  </p:timing>
+</p:sld>
+</file>
+
+<file path=ppt/slides/slide33.xml><?xml version="1.0" encoding="utf-8"?>
+<p:sld xmlns:a="http://schemas.openxmlformats.org/drawingml/2006/main" xmlns:r="http://schemas.openxmlformats.org/officeDocument/2006/relationships" xmlns:p="http://schemas.openxmlformats.org/presentationml/2006/main">
+  <p:cSld>
+    <p:spTree>
+      <p:nvGrpSpPr>
+        <p:cNvPr id="1" name=""/>
+        <p:cNvGrpSpPr/>
+        <p:nvPr/>
+      </p:nvGrpSpPr>
+      <p:grpSpPr>
+        <a:xfrm>
+          <a:off x="0" y="0"/>
+          <a:ext cx="0" cy="0"/>
+          <a:chOff x="0" y="0"/>
+          <a:chExt cx="0" cy="0"/>
+        </a:xfrm>
+      </p:grpSpPr>
+      <p:sp>
+        <p:nvSpPr>
+          <p:cNvPr id="3" name="Title 2"/>
+          <p:cNvSpPr>
+            <a:spLocks noGrp="1"/>
+          </p:cNvSpPr>
+          <p:nvPr>
+            <p:ph type="title"/>
+          </p:nvPr>
+        </p:nvSpPr>
+        <p:spPr/>
+        <p:txBody>
+          <a:bodyPr/>
+          <a:lstStyle/>
+          <a:p>
+            <a:r>
+              <a:rPr lang="en-US" dirty="0" smtClean="0"/>
+              <a:t>Additional resources</a:t>
+            </a:r>
+            <a:endParaRPr lang="en-US" dirty="0"/>
+          </a:p>
+        </p:txBody>
+      </p:sp>
+      <p:sp>
+        <p:nvSpPr>
+          <p:cNvPr id="4" name="Content Placeholder 3"/>
+          <p:cNvSpPr>
+            <a:spLocks noGrp="1"/>
+          </p:cNvSpPr>
+          <p:nvPr>
+            <p:ph sz="quarter" idx="10"/>
+          </p:nvPr>
+        </p:nvSpPr>
+        <p:spPr/>
+        <p:txBody>
+          <a:bodyPr/>
+          <a:lstStyle/>
+          <a:p>
+            <a:r>
+              <a:rPr lang="en-US" dirty="0" smtClean="0"/>
+              <a:t>Microsoft Virtual Academy</a:t>
+            </a:r>
+          </a:p>
+          <a:p>
+            <a:pPr lvl="1"/>
+            <a:r>
+              <a:rPr lang="en-US" dirty="0" smtClean="0"/>
+              <a:t>HTML5 </a:t>
+            </a:r>
+            <a:r>
+              <a:rPr lang="en-US" dirty="0"/>
+              <a:t>&amp; CSS3 Fundamentals: Development for Absolute Beginners</a:t>
+            </a:r>
+          </a:p>
+          <a:p>
+            <a:r>
+              <a:rPr lang="en-US" dirty="0" smtClean="0"/>
+              <a:t>Microsoft Official Courseware</a:t>
+            </a:r>
+          </a:p>
+          <a:p>
+            <a:pPr lvl="1"/>
+            <a:r>
+              <a:rPr lang="en-US" dirty="0"/>
+              <a:t>20480: Programming in HTML5 with JavaScript and </a:t>
+            </a:r>
+            <a:r>
+              <a:rPr lang="en-US" dirty="0" smtClean="0"/>
+              <a:t>CSS3</a:t>
+            </a:r>
+          </a:p>
+          <a:p>
+            <a:r>
+              <a:rPr lang="en-US" dirty="0" smtClean="0"/>
+              <a:t>Microsoft Press</a:t>
+            </a:r>
+          </a:p>
+          <a:p>
+            <a:pPr lvl="1"/>
+            <a:r>
+              <a:rPr lang="en-US" dirty="0"/>
+              <a:t>HTML5 Step by </a:t>
+            </a:r>
+            <a:r>
+              <a:rPr lang="en-US" dirty="0" smtClean="0"/>
+              <a:t>Step</a:t>
+            </a:r>
+          </a:p>
+          <a:p>
+            <a:pPr lvl="1"/>
+            <a:r>
+              <a:rPr lang="en-US" dirty="0"/>
+              <a:t>Training Guide: Programming in HTML5 with JavaScript and CSS3</a:t>
+            </a:r>
+          </a:p>
+        </p:txBody>
+      </p:sp>
+    </p:spTree>
+    <p:extLst>
+      <p:ext uri="{BB962C8B-B14F-4D97-AF65-F5344CB8AC3E}">
+        <p14:creationId xmlns:p14="http://schemas.microsoft.com/office/powerpoint/2010/main" val="298752425"/>
+      </p:ext>
+    </p:extLst>
+  </p:cSld>
+  <p:clrMapOvr>
+    <a:masterClrMapping/>
+  </p:clrMapOvr>
+  <p:timing>
+    <p:tnLst>
+      <p:par>
+        <p:cTn id="1" dur="indefinite" restart="never" nodeType="tmRoot"/>
+      </p:par>
+    </p:tnLst>
+  </p:timing>
+</p:sld>
+</file>
+
+<file path=ppt/slides/slide34.xml><?xml version="1.0" encoding="utf-8"?>
+<p:sld xmlns:a="http://schemas.openxmlformats.org/drawingml/2006/main" xmlns:r="http://schemas.openxmlformats.org/officeDocument/2006/relationships" xmlns:p="http://schemas.openxmlformats.org/presentationml/2006/main">
+  <p:cSld>
+    <p:spTree>
+      <p:nvGrpSpPr>
+        <p:cNvPr id="1" name=""/>
+        <p:cNvGrpSpPr/>
+        <p:nvPr/>
+      </p:nvGrpSpPr>
+      <p:grpSpPr>
+        <a:xfrm>
+          <a:off x="0" y="0"/>
+          <a:ext cx="0" cy="0"/>
+          <a:chOff x="0" y="0"/>
+          <a:chExt cx="0" cy="0"/>
+        </a:xfrm>
+      </p:grpSpPr>
+      <p:sp>
+        <p:nvSpPr>
+          <p:cNvPr id="3" name="Title 2"/>
+          <p:cNvSpPr>
+            <a:spLocks noGrp="1"/>
+          </p:cNvSpPr>
+          <p:nvPr>
+            <p:ph type="title"/>
+          </p:nvPr>
+        </p:nvSpPr>
+        <p:spPr/>
+        <p:txBody>
+          <a:bodyPr/>
+          <a:lstStyle/>
+          <a:p>
+            <a:r>
+              <a:rPr lang="en-US" dirty="0" smtClean="0"/>
+              <a:t>What did we learn?</a:t>
+            </a:r>
+            <a:endParaRPr lang="en-US" dirty="0"/>
+          </a:p>
+        </p:txBody>
+      </p:sp>
+      <p:sp>
+        <p:nvSpPr>
+          <p:cNvPr id="4" name="Content Placeholder 3"/>
+          <p:cNvSpPr>
+            <a:spLocks noGrp="1"/>
+          </p:cNvSpPr>
+          <p:nvPr>
+            <p:ph sz="quarter" idx="10"/>
+          </p:nvPr>
+        </p:nvSpPr>
+        <p:spPr/>
+        <p:txBody>
+          <a:bodyPr/>
+          <a:lstStyle/>
+          <a:p>
+            <a:r>
+              <a:rPr lang="en-US" dirty="0" smtClean="0"/>
+              <a:t>How to manage Python environments</a:t>
+            </a:r>
+          </a:p>
+          <a:p>
+            <a:r>
+              <a:rPr lang="en-US" dirty="0" smtClean="0"/>
+              <a:t>Begin developing web applications using Flask and Python</a:t>
+            </a:r>
+            <a:endParaRPr lang="en-US" dirty="0"/>
+          </a:p>
+        </p:txBody>
+      </p:sp>
+    </p:spTree>
+    <p:extLst>
+      <p:ext uri="{BB962C8B-B14F-4D97-AF65-F5344CB8AC3E}">
+        <p14:creationId xmlns:p14="http://schemas.microsoft.com/office/powerpoint/2010/main" val="2053550612"/>
+      </p:ext>
+    </p:extLst>
+  </p:cSld>
+  <p:clrMapOvr>
+    <a:masterClrMapping/>
+  </p:clrMapOvr>
+</p:sld>
+</file>
+
+<file path=ppt/slides/slide35.xml><?xml version="1.0" encoding="utf-8"?>
+<p:sld xmlns:a="http://schemas.openxmlformats.org/drawingml/2006/main" xmlns:r="http://schemas.openxmlformats.org/officeDocument/2006/relationships" xmlns:p="http://schemas.openxmlformats.org/presentationml/2006/main">
+  <p:cSld>
+    <p:spTree>
+      <p:nvGrpSpPr>
+        <p:cNvPr id="1" name=""/>
+        <p:cNvGrpSpPr/>
+        <p:nvPr/>
+      </p:nvGrpSpPr>
+      <p:grpSpPr>
+        <a:xfrm>
+          <a:off x="0" y="0"/>
+          <a:ext cx="0" cy="0"/>
+          <a:chOff x="0" y="0"/>
+          <a:chExt cx="0" cy="0"/>
+        </a:xfrm>
+      </p:grpSpPr>
+      <p:sp>
+        <p:nvSpPr>
+          <p:cNvPr id="2" name="Title 1"/>
+          <p:cNvSpPr>
+            <a:spLocks noGrp="1"/>
+          </p:cNvSpPr>
+          <p:nvPr>
+            <p:ph type="title"/>
+          </p:nvPr>
+        </p:nvSpPr>
+        <p:spPr/>
+        <p:txBody>
+          <a:bodyPr/>
+          <a:lstStyle/>
+          <a:p>
+            <a:r>
+              <a:rPr lang="en-US" dirty="0" smtClean="0"/>
+              <a:t>What can we do with this knowledge?</a:t>
+            </a:r>
+            <a:endParaRPr lang="en-US" dirty="0"/>
+          </a:p>
+        </p:txBody>
+      </p:sp>
+      <p:sp>
+        <p:nvSpPr>
+          <p:cNvPr id="3" name="Content Placeholder 2"/>
+          <p:cNvSpPr>
+            <a:spLocks noGrp="1"/>
+          </p:cNvSpPr>
+          <p:nvPr>
+            <p:ph sz="quarter" idx="10"/>
+          </p:nvPr>
+        </p:nvSpPr>
+        <p:spPr/>
+        <p:txBody>
+          <a:bodyPr/>
+          <a:lstStyle/>
+          <a:p>
+            <a:r>
+              <a:rPr lang="en-US" dirty="0" smtClean="0"/>
+              <a:t>Begin pursuing deeper knowledge of web application development</a:t>
+            </a:r>
+            <a:endParaRPr lang="en-US" dirty="0"/>
+          </a:p>
+        </p:txBody>
+      </p:sp>
+    </p:spTree>
+    <p:extLst>
+      <p:ext uri="{BB962C8B-B14F-4D97-AF65-F5344CB8AC3E}">
+        <p14:creationId xmlns:p14="http://schemas.microsoft.com/office/powerpoint/2010/main" val="1591784090"/>
+      </p:ext>
+    </p:extLst>
+  </p:cSld>
+  <p:clrMapOvr>
+    <a:masterClrMapping/>
+  </p:clrMapOvr>
+</p:sld>
+</file>
+
+<file path=ppt/slides/slide36.xml><?xml version="1.0" encoding="utf-8"?>
+<p:sld xmlns:a="http://schemas.openxmlformats.org/drawingml/2006/main" xmlns:r="http://schemas.openxmlformats.org/officeDocument/2006/relationships" xmlns:p="http://schemas.openxmlformats.org/presentationml/2006/main">
+  <p:cSld>
+    <p:spTree>
+      <p:nvGrpSpPr>
+        <p:cNvPr id="1" name=""/>
+        <p:cNvGrpSpPr/>
+        <p:nvPr/>
+      </p:nvGrpSpPr>
+      <p:grpSpPr>
+        <a:xfrm>
+          <a:off x="0" y="0"/>
+          <a:ext cx="0" cy="0"/>
+          <a:chOff x="0" y="0"/>
+          <a:chExt cx="0" cy="0"/>
+        </a:xfrm>
+      </p:grpSpPr>
+    </p:spTree>
+    <p:extLst>
+      <p:ext uri="{BB962C8B-B14F-4D97-AF65-F5344CB8AC3E}">
+        <p14:creationId xmlns:p14="http://schemas.microsoft.com/office/powerpoint/2010/main" val="898363405"/>
+      </p:ext>
+    </p:extLst>
+  </p:cSld>
+  <p:clrMapOvr>
+    <a:masterClrMapping/>
+  </p:clrMapOvr>
+  <p:timing>
+    <p:tnLst>
+      <p:par>
+        <p:cTn id="1" dur="indefinite" restart="never" nodeType="tmRoot"/>
+      </p:par>
+    </p:tnLst>
+  </p:timing>
+</p:sld>
+</file>
+
 <file path=ppt/slides/slide4.xml><?xml version="1.0" encoding="utf-8"?>
 <p:sld xmlns:a="http://schemas.openxmlformats.org/drawingml/2006/main" xmlns:r="http://schemas.openxmlformats.org/officeDocument/2006/relationships" xmlns:p="http://schemas.openxmlformats.org/presentationml/2006/main">
   <p:cSld>
@@ -6788,14 +8921,14 @@
                 <a:gridCol w="5762625">
                   <a:extLst>
                     <a:ext uri="{9D8B030D-6E8A-4147-A177-3AD203B41FA5}">
-                      <a16:colId xmlns:a16="http://schemas.microsoft.com/office/drawing/2014/main" xmlns="" val="1632794655"/>
+                      <a16:colId xmlns="" xmlns:a16="http://schemas.microsoft.com/office/drawing/2014/main" val="1632794655"/>
                     </a:ext>
                   </a:extLst>
                 </a:gridCol>
                 <a:gridCol w="5762625">
                   <a:extLst>
                     <a:ext uri="{9D8B030D-6E8A-4147-A177-3AD203B41FA5}">
-                      <a16:colId xmlns:a16="http://schemas.microsoft.com/office/drawing/2014/main" xmlns="" val="2011313899"/>
+                      <a16:colId xmlns="" xmlns:a16="http://schemas.microsoft.com/office/drawing/2014/main" val="2011313899"/>
                     </a:ext>
                   </a:extLst>
                 </a:gridCol>
@@ -6833,7 +8966,7 @@
                 </a:tc>
                 <a:extLst>
                   <a:ext uri="{0D108BD9-81ED-4DB2-BD59-A6C34878D82A}">
-                    <a16:rowId xmlns:a16="http://schemas.microsoft.com/office/drawing/2014/main" xmlns="" val="1789177411"/>
+                    <a16:rowId xmlns="" xmlns:a16="http://schemas.microsoft.com/office/drawing/2014/main" val="1789177411"/>
                   </a:ext>
                 </a:extLst>
               </a:tr>
@@ -6880,7 +9013,7 @@
                 </a:tc>
                 <a:extLst>
                   <a:ext uri="{0D108BD9-81ED-4DB2-BD59-A6C34878D82A}">
-                    <a16:rowId xmlns:a16="http://schemas.microsoft.com/office/drawing/2014/main" xmlns="" val="3842815335"/>
+                    <a16:rowId xmlns="" xmlns:a16="http://schemas.microsoft.com/office/drawing/2014/main" val="3842815335"/>
                   </a:ext>
                 </a:extLst>
               </a:tr>
@@ -6927,7 +9060,7 @@
                 </a:tc>
                 <a:extLst>
                   <a:ext uri="{0D108BD9-81ED-4DB2-BD59-A6C34878D82A}">
-                    <a16:rowId xmlns:a16="http://schemas.microsoft.com/office/drawing/2014/main" xmlns="" val="321066646"/>
+                    <a16:rowId xmlns="" xmlns:a16="http://schemas.microsoft.com/office/drawing/2014/main" val="321066646"/>
                   </a:ext>
                 </a:extLst>
               </a:tr>
@@ -6998,7 +9131,7 @@
                 </a:tc>
                 <a:extLst>
                   <a:ext uri="{0D108BD9-81ED-4DB2-BD59-A6C34878D82A}">
-                    <a16:rowId xmlns:a16="http://schemas.microsoft.com/office/drawing/2014/main" xmlns="" val="3812060533"/>
+                    <a16:rowId xmlns="" xmlns:a16="http://schemas.microsoft.com/office/drawing/2014/main" val="3812060533"/>
                   </a:ext>
                 </a:extLst>
               </a:tr>
@@ -7499,7 +9632,17 @@
           <a:p>
             <a:r>
               <a:rPr lang="en-GB" dirty="0" smtClean="0"/>
-              <a:t>Hello, Flask</a:t>
+              <a:t>Hello, </a:t>
+            </a:r>
+            <a:r>
+              <a:rPr lang="en-GB" dirty="0" smtClean="0"/>
+              <a:t>Flask</a:t>
+            </a:r>
+          </a:p>
+          <a:p>
+            <a:r>
+              <a:rPr lang="en-US" dirty="0"/>
+              <a:t>HTML primer</a:t>
             </a:r>
             <a:endParaRPr lang="en-GB" dirty="0"/>
           </a:p>
@@ -8435,15 +10578,6 @@
 </file>
 
 <file path=customXml/item1.xml><?xml version="1.0" encoding="utf-8"?>
-<?mso-contentType ?>
-<FormTemplates xmlns="http://schemas.microsoft.com/sharepoint/v3/contenttype/forms">
-  <Display>DocumentLibraryForm</Display>
-  <Edit>DocumentLibraryForm</Edit>
-  <New>DocumentLibraryForm</New>
-</FormTemplates>
-</file>
-
-<file path=customXml/item2.xml><?xml version="1.0" encoding="utf-8"?>
 <p:properties xmlns:p="http://schemas.microsoft.com/office/2006/metadata/properties" xmlns:xsi="http://www.w3.org/2001/XMLSchema-instance" xmlns:pc="http://schemas.microsoft.com/office/infopath/2007/PartnerControls">
   <documentManagement>
     <TaxCatchAll xmlns="230e9df3-be65-4c73-a93b-d1236ebd677e"/>
@@ -8454,6 +10588,15 @@
     </TaxKeywordTaxHTField>
   </documentManagement>
 </p:properties>
+</file>
+
+<file path=customXml/item2.xml><?xml version="1.0" encoding="utf-8"?>
+<?mso-contentType ?>
+<FormTemplates xmlns="http://schemas.microsoft.com/sharepoint/v3/contenttype/forms">
+  <Display>DocumentLibraryForm</Display>
+  <Edit>DocumentLibraryForm</Edit>
+  <New>DocumentLibraryForm</New>
+</FormTemplates>
 </file>
 
 <file path=customXml/item3.xml><?xml version="1.0" encoding="utf-8"?>
@@ -8639,14 +10782,6 @@
 </file>
 
 <file path=customXml/itemProps1.xml><?xml version="1.0" encoding="utf-8"?>
-<ds:datastoreItem xmlns:ds="http://schemas.openxmlformats.org/officeDocument/2006/customXml" ds:itemID="{B0CA13EC-1D3C-4D6F-8D1C-E8A452CFC79A}">
-  <ds:schemaRefs>
-    <ds:schemaRef ds:uri="http://schemas.microsoft.com/sharepoint/v3/contenttype/forms"/>
-  </ds:schemaRefs>
-</ds:datastoreItem>
-</file>
-
-<file path=customXml/itemProps2.xml><?xml version="1.0" encoding="utf-8"?>
 <ds:datastoreItem xmlns:ds="http://schemas.openxmlformats.org/officeDocument/2006/customXml" ds:itemID="{7025FDD9-4C58-4084-9F89-0E6ADD6FFF55}">
   <ds:schemaRefs>
     <ds:schemaRef ds:uri="http://purl.org/dc/elements/1.1/"/>
@@ -8660,6 +10795,14 @@
     <ds:schemaRef ds:uri="http://schemas.microsoft.com/office/infopath/2007/PartnerControls"/>
     <ds:schemaRef ds:uri="http://www.w3.org/XML/1998/namespace"/>
     <ds:schemaRef ds:uri="http://purl.org/dc/dcmitype/"/>
+  </ds:schemaRefs>
+</ds:datastoreItem>
+</file>
+
+<file path=customXml/itemProps2.xml><?xml version="1.0" encoding="utf-8"?>
+<ds:datastoreItem xmlns:ds="http://schemas.openxmlformats.org/officeDocument/2006/customXml" ds:itemID="{B0CA13EC-1D3C-4D6F-8D1C-E8A452CFC79A}">
+  <ds:schemaRefs>
+    <ds:schemaRef ds:uri="http://schemas.microsoft.com/sharepoint/v3/contenttype/forms"/>
   </ds:schemaRefs>
 </ds:datastoreItem>
 </file>

--- a/Slides/Module 1 - Introduction to Flask.pptx
+++ b/Slides/Module 1 - Introduction to Flask.pptx
@@ -8002,8 +8002,12 @@
                 <a:latin typeface="Consolas" panose="020B0609020204030204" pitchFamily="49" charset="0"/>
                 <a:cs typeface="Consolas" panose="020B0609020204030204" pitchFamily="49" charset="0"/>
               </a:rPr>
-              <a:t>&lt;html&gt;</a:t>
-            </a:r>
+              <a:t>&lt;head&gt;</a:t>
+            </a:r>
+            <a:endParaRPr lang="en-US" sz="4000" dirty="0" smtClean="0">
+              <a:latin typeface="Consolas" panose="020B0609020204030204" pitchFamily="49" charset="0"/>
+              <a:cs typeface="Consolas" panose="020B0609020204030204" pitchFamily="49" charset="0"/>
+            </a:endParaRPr>
           </a:p>
           <a:p>
             <a:r>
@@ -8020,7 +8024,7 @@
                 <a:latin typeface="Consolas" panose="020B0609020204030204" pitchFamily="49" charset="0"/>
                 <a:cs typeface="Consolas" panose="020B0609020204030204" pitchFamily="49" charset="0"/>
               </a:rPr>
-              <a:t>&lt;/html&gt;</a:t>
+              <a:t>&lt;/head&gt;</a:t>
             </a:r>
             <a:endParaRPr lang="en-US" sz="4000" dirty="0">
               <a:latin typeface="Consolas" panose="020B0609020204030204" pitchFamily="49" charset="0"/>
@@ -8733,6 +8737,13 @@
   <p:clrMapOvr>
     <a:masterClrMapping/>
   </p:clrMapOvr>
+  <p:timing>
+    <p:tnLst>
+      <p:par>
+        <p:cTn id="1" dur="indefinite" restart="never" nodeType="tmRoot"/>
+      </p:par>
+    </p:tnLst>
+  </p:timing>
 </p:sld>
 </file>
 
@@ -8809,6 +8820,13 @@
   <p:clrMapOvr>
     <a:masterClrMapping/>
   </p:clrMapOvr>
+  <p:timing>
+    <p:tnLst>
+      <p:par>
+        <p:cTn id="1" dur="indefinite" restart="never" nodeType="tmRoot"/>
+      </p:par>
+    </p:tnLst>
+  </p:timing>
 </p:sld>
 </file>
 
@@ -8921,14 +8939,14 @@
                 <a:gridCol w="5762625">
                   <a:extLst>
                     <a:ext uri="{9D8B030D-6E8A-4147-A177-3AD203B41FA5}">
-                      <a16:colId xmlns="" xmlns:a16="http://schemas.microsoft.com/office/drawing/2014/main" val="1632794655"/>
+                      <a16:colId xmlns:a16="http://schemas.microsoft.com/office/drawing/2014/main" xmlns="" val="1632794655"/>
                     </a:ext>
                   </a:extLst>
                 </a:gridCol>
                 <a:gridCol w="5762625">
                   <a:extLst>
                     <a:ext uri="{9D8B030D-6E8A-4147-A177-3AD203B41FA5}">
-                      <a16:colId xmlns="" xmlns:a16="http://schemas.microsoft.com/office/drawing/2014/main" val="2011313899"/>
+                      <a16:colId xmlns:a16="http://schemas.microsoft.com/office/drawing/2014/main" xmlns="" val="2011313899"/>
                     </a:ext>
                   </a:extLst>
                 </a:gridCol>
@@ -8966,7 +8984,7 @@
                 </a:tc>
                 <a:extLst>
                   <a:ext uri="{0D108BD9-81ED-4DB2-BD59-A6C34878D82A}">
-                    <a16:rowId xmlns="" xmlns:a16="http://schemas.microsoft.com/office/drawing/2014/main" val="1789177411"/>
+                    <a16:rowId xmlns:a16="http://schemas.microsoft.com/office/drawing/2014/main" xmlns="" val="1789177411"/>
                   </a:ext>
                 </a:extLst>
               </a:tr>
@@ -9013,7 +9031,7 @@
                 </a:tc>
                 <a:extLst>
                   <a:ext uri="{0D108BD9-81ED-4DB2-BD59-A6C34878D82A}">
-                    <a16:rowId xmlns="" xmlns:a16="http://schemas.microsoft.com/office/drawing/2014/main" val="3842815335"/>
+                    <a16:rowId xmlns:a16="http://schemas.microsoft.com/office/drawing/2014/main" xmlns="" val="3842815335"/>
                   </a:ext>
                 </a:extLst>
               </a:tr>
@@ -9060,7 +9078,7 @@
                 </a:tc>
                 <a:extLst>
                   <a:ext uri="{0D108BD9-81ED-4DB2-BD59-A6C34878D82A}">
-                    <a16:rowId xmlns="" xmlns:a16="http://schemas.microsoft.com/office/drawing/2014/main" val="321066646"/>
+                    <a16:rowId xmlns:a16="http://schemas.microsoft.com/office/drawing/2014/main" xmlns="" val="321066646"/>
                   </a:ext>
                 </a:extLst>
               </a:tr>
@@ -9131,7 +9149,7 @@
                 </a:tc>
                 <a:extLst>
                   <a:ext uri="{0D108BD9-81ED-4DB2-BD59-A6C34878D82A}">
-                    <a16:rowId xmlns="" xmlns:a16="http://schemas.microsoft.com/office/drawing/2014/main" val="3812060533"/>
+                    <a16:rowId xmlns:a16="http://schemas.microsoft.com/office/drawing/2014/main" xmlns="" val="3812060533"/>
                   </a:ext>
                 </a:extLst>
               </a:tr>
@@ -9632,11 +9650,7 @@
           <a:p>
             <a:r>
               <a:rPr lang="en-GB" dirty="0" smtClean="0"/>
-              <a:t>Hello, </a:t>
-            </a:r>
-            <a:r>
-              <a:rPr lang="en-GB" dirty="0" smtClean="0"/>
-              <a:t>Flask</a:t>
+              <a:t>Hello, Flask</a:t>
             </a:r>
           </a:p>
           <a:p>
@@ -10578,6 +10592,15 @@
 </file>
 
 <file path=customXml/item1.xml><?xml version="1.0" encoding="utf-8"?>
+<?mso-contentType ?>
+<FormTemplates xmlns="http://schemas.microsoft.com/sharepoint/v3/contenttype/forms">
+  <Display>DocumentLibraryForm</Display>
+  <Edit>DocumentLibraryForm</Edit>
+  <New>DocumentLibraryForm</New>
+</FormTemplates>
+</file>
+
+<file path=customXml/item2.xml><?xml version="1.0" encoding="utf-8"?>
 <p:properties xmlns:p="http://schemas.microsoft.com/office/2006/metadata/properties" xmlns:xsi="http://www.w3.org/2001/XMLSchema-instance" xmlns:pc="http://schemas.microsoft.com/office/infopath/2007/PartnerControls">
   <documentManagement>
     <TaxCatchAll xmlns="230e9df3-be65-4c73-a93b-d1236ebd677e"/>
@@ -10588,15 +10611,6 @@
     </TaxKeywordTaxHTField>
   </documentManagement>
 </p:properties>
-</file>
-
-<file path=customXml/item2.xml><?xml version="1.0" encoding="utf-8"?>
-<?mso-contentType ?>
-<FormTemplates xmlns="http://schemas.microsoft.com/sharepoint/v3/contenttype/forms">
-  <Display>DocumentLibraryForm</Display>
-  <Edit>DocumentLibraryForm</Edit>
-  <New>DocumentLibraryForm</New>
-</FormTemplates>
 </file>
 
 <file path=customXml/item3.xml><?xml version="1.0" encoding="utf-8"?>
@@ -10782,6 +10796,14 @@
 </file>
 
 <file path=customXml/itemProps1.xml><?xml version="1.0" encoding="utf-8"?>
+<ds:datastoreItem xmlns:ds="http://schemas.openxmlformats.org/officeDocument/2006/customXml" ds:itemID="{B0CA13EC-1D3C-4D6F-8D1C-E8A452CFC79A}">
+  <ds:schemaRefs>
+    <ds:schemaRef ds:uri="http://schemas.microsoft.com/sharepoint/v3/contenttype/forms"/>
+  </ds:schemaRefs>
+</ds:datastoreItem>
+</file>
+
+<file path=customXml/itemProps2.xml><?xml version="1.0" encoding="utf-8"?>
 <ds:datastoreItem xmlns:ds="http://schemas.openxmlformats.org/officeDocument/2006/customXml" ds:itemID="{7025FDD9-4C58-4084-9F89-0E6ADD6FFF55}">
   <ds:schemaRefs>
     <ds:schemaRef ds:uri="http://purl.org/dc/elements/1.1/"/>
@@ -10795,14 +10817,6 @@
     <ds:schemaRef ds:uri="http://schemas.microsoft.com/office/infopath/2007/PartnerControls"/>
     <ds:schemaRef ds:uri="http://www.w3.org/XML/1998/namespace"/>
     <ds:schemaRef ds:uri="http://purl.org/dc/dcmitype/"/>
-  </ds:schemaRefs>
-</ds:datastoreItem>
-</file>
-
-<file path=customXml/itemProps2.xml><?xml version="1.0" encoding="utf-8"?>
-<ds:datastoreItem xmlns:ds="http://schemas.openxmlformats.org/officeDocument/2006/customXml" ds:itemID="{B0CA13EC-1D3C-4D6F-8D1C-E8A452CFC79A}">
-  <ds:schemaRefs>
-    <ds:schemaRef ds:uri="http://schemas.microsoft.com/sharepoint/v3/contenttype/forms"/>
   </ds:schemaRefs>
 </ds:datastoreItem>
 </file>
